--- a/util/SHOP.pptx
+++ b/util/SHOP.pptx
@@ -8,6 +8,11 @@
     <p:sldId id="256" r:id="rId2"/>
     <p:sldId id="257" r:id="rId3"/>
     <p:sldId id="258" r:id="rId4"/>
+    <p:sldId id="259" r:id="rId5"/>
+    <p:sldId id="260" r:id="rId6"/>
+    <p:sldId id="261" r:id="rId7"/>
+    <p:sldId id="262" r:id="rId8"/>
+    <p:sldId id="263" r:id="rId9"/>
   </p:sldIdLst>
   <p:sldSz cx="12192000" cy="6858000"/>
   <p:notesSz cx="6858000" cy="9144000"/>
@@ -106,6 +111,31 @@
       </a:defRPr>
     </a:lvl9pPr>
   </p:defaultTextStyle>
+  <p:extLst>
+    <p:ext uri="{521415D9-36F7-43E2-AB2F-B90AF26B5E84}">
+      <p14:sectionLst xmlns:p14="http://schemas.microsoft.com/office/powerpoint/2010/main">
+        <p14:section name="Sección predeterminada" id="{0372E5A5-1775-4A66-ADC6-77AC1E42AF40}">
+          <p14:sldIdLst>
+            <p14:sldId id="256"/>
+            <p14:sldId id="257"/>
+            <p14:sldId id="258"/>
+          </p14:sldIdLst>
+        </p14:section>
+        <p14:section name="Front General User" id="{BA0C739D-D188-4E35-ABB7-956B9A3808D3}">
+          <p14:sldIdLst>
+            <p14:sldId id="259"/>
+            <p14:sldId id="260"/>
+            <p14:sldId id="261"/>
+            <p14:sldId id="262"/>
+            <p14:sldId id="263"/>
+          </p14:sldIdLst>
+        </p14:section>
+      </p14:sectionLst>
+    </p:ext>
+    <p:ext uri="{EFAFB233-063F-42B5-8137-9DF3F51BA10A}">
+      <p15:sldGuideLst xmlns:p15="http://schemas.microsoft.com/office/powerpoint/2012/main"/>
+    </p:ext>
+  </p:extLst>
 </p:presentation>
 </file>
 
@@ -258,7 +288,7 @@
           <a:p>
             <a:fld id="{5B47AB05-5A09-40EE-B9EE-38183E5BCE00}" type="datetimeFigureOut">
               <a:rPr lang="es-419" smtClean="0"/>
-              <a:t>20/12/2021</a:t>
+              <a:t>13/1/2022</a:t>
             </a:fld>
             <a:endParaRPr lang="es-419"/>
           </a:p>
@@ -458,7 +488,7 @@
           <a:p>
             <a:fld id="{5B47AB05-5A09-40EE-B9EE-38183E5BCE00}" type="datetimeFigureOut">
               <a:rPr lang="es-419" smtClean="0"/>
-              <a:t>20/12/2021</a:t>
+              <a:t>13/1/2022</a:t>
             </a:fld>
             <a:endParaRPr lang="es-419"/>
           </a:p>
@@ -668,7 +698,7 @@
           <a:p>
             <a:fld id="{5B47AB05-5A09-40EE-B9EE-38183E5BCE00}" type="datetimeFigureOut">
               <a:rPr lang="es-419" smtClean="0"/>
-              <a:t>20/12/2021</a:t>
+              <a:t>13/1/2022</a:t>
             </a:fld>
             <a:endParaRPr lang="es-419"/>
           </a:p>
@@ -868,7 +898,7 @@
           <a:p>
             <a:fld id="{5B47AB05-5A09-40EE-B9EE-38183E5BCE00}" type="datetimeFigureOut">
               <a:rPr lang="es-419" smtClean="0"/>
-              <a:t>20/12/2021</a:t>
+              <a:t>13/1/2022</a:t>
             </a:fld>
             <a:endParaRPr lang="es-419"/>
           </a:p>
@@ -1144,7 +1174,7 @@
           <a:p>
             <a:fld id="{5B47AB05-5A09-40EE-B9EE-38183E5BCE00}" type="datetimeFigureOut">
               <a:rPr lang="es-419" smtClean="0"/>
-              <a:t>20/12/2021</a:t>
+              <a:t>13/1/2022</a:t>
             </a:fld>
             <a:endParaRPr lang="es-419"/>
           </a:p>
@@ -1412,7 +1442,7 @@
           <a:p>
             <a:fld id="{5B47AB05-5A09-40EE-B9EE-38183E5BCE00}" type="datetimeFigureOut">
               <a:rPr lang="es-419" smtClean="0"/>
-              <a:t>20/12/2021</a:t>
+              <a:t>13/1/2022</a:t>
             </a:fld>
             <a:endParaRPr lang="es-419"/>
           </a:p>
@@ -1827,7 +1857,7 @@
           <a:p>
             <a:fld id="{5B47AB05-5A09-40EE-B9EE-38183E5BCE00}" type="datetimeFigureOut">
               <a:rPr lang="es-419" smtClean="0"/>
-              <a:t>20/12/2021</a:t>
+              <a:t>13/1/2022</a:t>
             </a:fld>
             <a:endParaRPr lang="es-419"/>
           </a:p>
@@ -1969,7 +1999,7 @@
           <a:p>
             <a:fld id="{5B47AB05-5A09-40EE-B9EE-38183E5BCE00}" type="datetimeFigureOut">
               <a:rPr lang="es-419" smtClean="0"/>
-              <a:t>20/12/2021</a:t>
+              <a:t>13/1/2022</a:t>
             </a:fld>
             <a:endParaRPr lang="es-419"/>
           </a:p>
@@ -2082,7 +2112,7 @@
           <a:p>
             <a:fld id="{5B47AB05-5A09-40EE-B9EE-38183E5BCE00}" type="datetimeFigureOut">
               <a:rPr lang="es-419" smtClean="0"/>
-              <a:t>20/12/2021</a:t>
+              <a:t>13/1/2022</a:t>
             </a:fld>
             <a:endParaRPr lang="es-419"/>
           </a:p>
@@ -2395,7 +2425,7 @@
           <a:p>
             <a:fld id="{5B47AB05-5A09-40EE-B9EE-38183E5BCE00}" type="datetimeFigureOut">
               <a:rPr lang="es-419" smtClean="0"/>
-              <a:t>20/12/2021</a:t>
+              <a:t>13/1/2022</a:t>
             </a:fld>
             <a:endParaRPr lang="es-419"/>
           </a:p>
@@ -2684,7 +2714,7 @@
           <a:p>
             <a:fld id="{5B47AB05-5A09-40EE-B9EE-38183E5BCE00}" type="datetimeFigureOut">
               <a:rPr lang="es-419" smtClean="0"/>
-              <a:t>20/12/2021</a:t>
+              <a:t>13/1/2022</a:t>
             </a:fld>
             <a:endParaRPr lang="es-419"/>
           </a:p>
@@ -2927,7 +2957,7 @@
           <a:p>
             <a:fld id="{5B47AB05-5A09-40EE-B9EE-38183E5BCE00}" type="datetimeFigureOut">
               <a:rPr lang="es-419" smtClean="0"/>
-              <a:t>20/12/2021</a:t>
+              <a:t>13/1/2022</a:t>
             </a:fld>
             <a:endParaRPr lang="es-419"/>
           </a:p>
@@ -4379,15 +4409,2282 @@
 </p:sld>
 </file>
 
+<file path=ppt/slides/slide4.xml><?xml version="1.0" encoding="utf-8"?>
+<p:sld xmlns:a="http://schemas.openxmlformats.org/drawingml/2006/main" xmlns:r="http://schemas.openxmlformats.org/officeDocument/2006/relationships" xmlns:p="http://schemas.openxmlformats.org/presentationml/2006/main">
+  <p:cSld>
+    <p:spTree>
+      <p:nvGrpSpPr>
+        <p:cNvPr id="1" name=""/>
+        <p:cNvGrpSpPr/>
+        <p:nvPr/>
+      </p:nvGrpSpPr>
+      <p:grpSpPr>
+        <a:xfrm>
+          <a:off x="0" y="0"/>
+          <a:ext cx="0" cy="0"/>
+          <a:chOff x="0" y="0"/>
+          <a:chExt cx="0" cy="0"/>
+        </a:xfrm>
+      </p:grpSpPr>
+      <p:sp>
+        <p:nvSpPr>
+          <p:cNvPr id="6" name="Rectángulo 5">
+            <a:extLst>
+              <a:ext uri="{FF2B5EF4-FFF2-40B4-BE49-F238E27FC236}">
+                <a16:creationId xmlns:a16="http://schemas.microsoft.com/office/drawing/2014/main" id="{FE1E58F8-60EA-439E-8DCF-698E6DC9C86B}"/>
+              </a:ext>
+            </a:extLst>
+          </p:cNvPr>
+          <p:cNvSpPr/>
+          <p:nvPr/>
+        </p:nvSpPr>
+        <p:spPr>
+          <a:xfrm>
+            <a:off x="485633" y="784746"/>
+            <a:ext cx="3220871" cy="1583143"/>
+          </a:xfrm>
+          <a:prstGeom prst="rect">
+            <a:avLst/>
+          </a:prstGeom>
+        </p:spPr>
+        <p:style>
+          <a:lnRef idx="2">
+            <a:schemeClr val="accent1">
+              <a:shade val="50000"/>
+            </a:schemeClr>
+          </a:lnRef>
+          <a:fillRef idx="1">
+            <a:schemeClr val="accent1"/>
+          </a:fillRef>
+          <a:effectRef idx="0">
+            <a:schemeClr val="accent1"/>
+          </a:effectRef>
+          <a:fontRef idx="minor">
+            <a:schemeClr val="lt1"/>
+          </a:fontRef>
+        </p:style>
+        <p:txBody>
+          <a:bodyPr rtlCol="0" anchor="ctr"/>
+          <a:lstStyle/>
+          <a:p>
+            <a:pPr algn="ctr"/>
+            <a:r>
+              <a:rPr lang="es-ES" dirty="0"/>
+              <a:t>Uso de shop para hacer pedidos %</a:t>
+            </a:r>
+          </a:p>
+        </p:txBody>
+      </p:sp>
+      <p:sp>
+        <p:nvSpPr>
+          <p:cNvPr id="7" name="Rectángulo 6">
+            <a:extLst>
+              <a:ext uri="{FF2B5EF4-FFF2-40B4-BE49-F238E27FC236}">
+                <a16:creationId xmlns:a16="http://schemas.microsoft.com/office/drawing/2014/main" id="{46058CB0-350A-4364-BDD3-B3BFB1176A0B}"/>
+              </a:ext>
+            </a:extLst>
+          </p:cNvPr>
+          <p:cNvSpPr/>
+          <p:nvPr/>
+        </p:nvSpPr>
+        <p:spPr>
+          <a:xfrm>
+            <a:off x="8325135" y="784746"/>
+            <a:ext cx="3220871" cy="1583143"/>
+          </a:xfrm>
+          <a:prstGeom prst="rect">
+            <a:avLst/>
+          </a:prstGeom>
+        </p:spPr>
+        <p:style>
+          <a:lnRef idx="2">
+            <a:schemeClr val="accent1">
+              <a:shade val="50000"/>
+            </a:schemeClr>
+          </a:lnRef>
+          <a:fillRef idx="1">
+            <a:schemeClr val="accent1"/>
+          </a:fillRef>
+          <a:effectRef idx="0">
+            <a:schemeClr val="accent1"/>
+          </a:effectRef>
+          <a:fontRef idx="minor">
+            <a:schemeClr val="lt1"/>
+          </a:fontRef>
+        </p:style>
+        <p:txBody>
+          <a:bodyPr rtlCol="0" anchor="ctr"/>
+          <a:lstStyle/>
+          <a:p>
+            <a:pPr algn="ctr"/>
+            <a:r>
+              <a:rPr lang="es-ES" dirty="0"/>
+              <a:t>Hacer pedido</a:t>
+            </a:r>
+          </a:p>
+        </p:txBody>
+      </p:sp>
+      <p:sp>
+        <p:nvSpPr>
+          <p:cNvPr id="8" name="Rectángulo 7">
+            <a:extLst>
+              <a:ext uri="{FF2B5EF4-FFF2-40B4-BE49-F238E27FC236}">
+                <a16:creationId xmlns:a16="http://schemas.microsoft.com/office/drawing/2014/main" id="{16982072-3C38-4D6B-B889-A77F02478A36}"/>
+              </a:ext>
+            </a:extLst>
+          </p:cNvPr>
+          <p:cNvSpPr/>
+          <p:nvPr/>
+        </p:nvSpPr>
+        <p:spPr>
+          <a:xfrm>
+            <a:off x="4582237" y="784746"/>
+            <a:ext cx="3220871" cy="1583143"/>
+          </a:xfrm>
+          <a:prstGeom prst="rect">
+            <a:avLst/>
+          </a:prstGeom>
+        </p:spPr>
+        <p:style>
+          <a:lnRef idx="2">
+            <a:schemeClr val="accent1">
+              <a:shade val="50000"/>
+            </a:schemeClr>
+          </a:lnRef>
+          <a:fillRef idx="1">
+            <a:schemeClr val="accent1"/>
+          </a:fillRef>
+          <a:effectRef idx="0">
+            <a:schemeClr val="accent1"/>
+          </a:effectRef>
+          <a:fontRef idx="minor">
+            <a:schemeClr val="lt1"/>
+          </a:fontRef>
+        </p:style>
+        <p:txBody>
+          <a:bodyPr rtlCol="0" anchor="ctr"/>
+          <a:lstStyle/>
+          <a:p>
+            <a:pPr algn="ctr"/>
+            <a:r>
+              <a:rPr lang="es-ES" dirty="0"/>
+              <a:t>Datos estadísticos</a:t>
+            </a:r>
+          </a:p>
+        </p:txBody>
+      </p:sp>
+      <p:sp>
+        <p:nvSpPr>
+          <p:cNvPr id="9" name="Rectángulo 8">
+            <a:extLst>
+              <a:ext uri="{FF2B5EF4-FFF2-40B4-BE49-F238E27FC236}">
+                <a16:creationId xmlns:a16="http://schemas.microsoft.com/office/drawing/2014/main" id="{B5B3328A-C19C-4F83-A81E-7ADDD071D8C6}"/>
+              </a:ext>
+            </a:extLst>
+          </p:cNvPr>
+          <p:cNvSpPr/>
+          <p:nvPr/>
+        </p:nvSpPr>
+        <p:spPr>
+          <a:xfrm>
+            <a:off x="4749421" y="2665866"/>
+            <a:ext cx="7099109" cy="3625752"/>
+          </a:xfrm>
+          <a:prstGeom prst="rect">
+            <a:avLst/>
+          </a:prstGeom>
+        </p:spPr>
+        <p:style>
+          <a:lnRef idx="2">
+            <a:schemeClr val="accent1">
+              <a:shade val="50000"/>
+            </a:schemeClr>
+          </a:lnRef>
+          <a:fillRef idx="1">
+            <a:schemeClr val="accent1"/>
+          </a:fillRef>
+          <a:effectRef idx="0">
+            <a:schemeClr val="accent1"/>
+          </a:effectRef>
+          <a:fontRef idx="minor">
+            <a:schemeClr val="lt1"/>
+          </a:fontRef>
+        </p:style>
+        <p:txBody>
+          <a:bodyPr rtlCol="0" anchor="ctr"/>
+          <a:lstStyle/>
+          <a:p>
+            <a:pPr algn="ctr"/>
+            <a:r>
+              <a:rPr lang="es-ES" dirty="0"/>
+              <a:t>Boletas de compra</a:t>
+            </a:r>
+          </a:p>
+          <a:p>
+            <a:pPr algn="ctr"/>
+            <a:r>
+              <a:rPr lang="es-ES" dirty="0"/>
+              <a:t>Permita </a:t>
+            </a:r>
+            <a:r>
+              <a:rPr lang="es-ES" dirty="0" err="1"/>
+              <a:t>scroll</a:t>
+            </a:r>
+            <a:r>
+              <a:rPr lang="es-ES" dirty="0"/>
+              <a:t> dentro del recuadro</a:t>
+            </a:r>
+          </a:p>
+        </p:txBody>
+      </p:sp>
+      <p:sp>
+        <p:nvSpPr>
+          <p:cNvPr id="10" name="Rectángulo 9">
+            <a:extLst>
+              <a:ext uri="{FF2B5EF4-FFF2-40B4-BE49-F238E27FC236}">
+                <a16:creationId xmlns:a16="http://schemas.microsoft.com/office/drawing/2014/main" id="{E9AB1C95-978C-478A-AF4B-E69694CE6EB5}"/>
+              </a:ext>
+            </a:extLst>
+          </p:cNvPr>
+          <p:cNvSpPr/>
+          <p:nvPr/>
+        </p:nvSpPr>
+        <p:spPr>
+          <a:xfrm>
+            <a:off x="343470" y="2665866"/>
+            <a:ext cx="3505199" cy="3407388"/>
+          </a:xfrm>
+          <a:prstGeom prst="rect">
+            <a:avLst/>
+          </a:prstGeom>
+        </p:spPr>
+        <p:style>
+          <a:lnRef idx="2">
+            <a:schemeClr val="accent1">
+              <a:shade val="50000"/>
+            </a:schemeClr>
+          </a:lnRef>
+          <a:fillRef idx="1">
+            <a:schemeClr val="accent1"/>
+          </a:fillRef>
+          <a:effectRef idx="0">
+            <a:schemeClr val="accent1"/>
+          </a:effectRef>
+          <a:fontRef idx="minor">
+            <a:schemeClr val="lt1"/>
+          </a:fontRef>
+        </p:style>
+        <p:txBody>
+          <a:bodyPr rtlCol="0" anchor="ctr"/>
+          <a:lstStyle/>
+          <a:p>
+            <a:pPr algn="ctr"/>
+            <a:r>
+              <a:rPr lang="es-ES" dirty="0"/>
+              <a:t>Total gastos en copras</a:t>
+            </a:r>
+          </a:p>
+          <a:p>
+            <a:pPr algn="ctr"/>
+            <a:endParaRPr lang="es-ES" dirty="0"/>
+          </a:p>
+          <a:p>
+            <a:pPr algn="ctr"/>
+            <a:r>
+              <a:rPr lang="es-ES" dirty="0"/>
+              <a:t>Pago local  %</a:t>
+            </a:r>
+          </a:p>
+          <a:p>
+            <a:pPr algn="ctr"/>
+            <a:r>
+              <a:rPr lang="es-ES" dirty="0"/>
+              <a:t>Pago virtual %</a:t>
+            </a:r>
+          </a:p>
+        </p:txBody>
+      </p:sp>
+      <p:sp>
+        <p:nvSpPr>
+          <p:cNvPr id="11" name="Rectángulo 10">
+            <a:extLst>
+              <a:ext uri="{FF2B5EF4-FFF2-40B4-BE49-F238E27FC236}">
+                <a16:creationId xmlns:a16="http://schemas.microsoft.com/office/drawing/2014/main" id="{34AFAC09-C042-4841-8139-4C1D112D216B}"/>
+              </a:ext>
+            </a:extLst>
+          </p:cNvPr>
+          <p:cNvSpPr/>
+          <p:nvPr/>
+        </p:nvSpPr>
+        <p:spPr>
+          <a:xfrm>
+            <a:off x="485633" y="0"/>
+            <a:ext cx="11060373" cy="682388"/>
+          </a:xfrm>
+          <a:prstGeom prst="rect">
+            <a:avLst/>
+          </a:prstGeom>
+        </p:spPr>
+        <p:style>
+          <a:lnRef idx="2">
+            <a:schemeClr val="accent1">
+              <a:shade val="50000"/>
+            </a:schemeClr>
+          </a:lnRef>
+          <a:fillRef idx="1">
+            <a:schemeClr val="accent1"/>
+          </a:fillRef>
+          <a:effectRef idx="0">
+            <a:schemeClr val="accent1"/>
+          </a:effectRef>
+          <a:fontRef idx="minor">
+            <a:schemeClr val="lt1"/>
+          </a:fontRef>
+        </p:style>
+        <p:txBody>
+          <a:bodyPr rtlCol="0" anchor="ctr"/>
+          <a:lstStyle/>
+          <a:p>
+            <a:pPr algn="ctr"/>
+            <a:r>
+              <a:rPr lang="es-ES" dirty="0"/>
+              <a:t>inicio</a:t>
+            </a:r>
+          </a:p>
+        </p:txBody>
+      </p:sp>
+    </p:spTree>
+    <p:extLst>
+      <p:ext uri="{BB962C8B-B14F-4D97-AF65-F5344CB8AC3E}">
+        <p14:creationId xmlns:p14="http://schemas.microsoft.com/office/powerpoint/2010/main" val="1903962219"/>
+      </p:ext>
+    </p:extLst>
+  </p:cSld>
+  <p:clrMapOvr>
+    <a:masterClrMapping/>
+  </p:clrMapOvr>
+</p:sld>
+</file>
+
+<file path=ppt/slides/slide5.xml><?xml version="1.0" encoding="utf-8"?>
+<p:sld xmlns:a="http://schemas.openxmlformats.org/drawingml/2006/main" xmlns:r="http://schemas.openxmlformats.org/officeDocument/2006/relationships" xmlns:p="http://schemas.openxmlformats.org/presentationml/2006/main">
+  <p:cSld>
+    <p:spTree>
+      <p:nvGrpSpPr>
+        <p:cNvPr id="1" name=""/>
+        <p:cNvGrpSpPr/>
+        <p:nvPr/>
+      </p:nvGrpSpPr>
+      <p:grpSpPr>
+        <a:xfrm>
+          <a:off x="0" y="0"/>
+          <a:ext cx="0" cy="0"/>
+          <a:chOff x="0" y="0"/>
+          <a:chExt cx="0" cy="0"/>
+        </a:xfrm>
+      </p:grpSpPr>
+      <p:sp>
+        <p:nvSpPr>
+          <p:cNvPr id="6" name="Rectángulo: esquinas redondeadas 5">
+            <a:extLst>
+              <a:ext uri="{FF2B5EF4-FFF2-40B4-BE49-F238E27FC236}">
+                <a16:creationId xmlns:a16="http://schemas.microsoft.com/office/drawing/2014/main" id="{ACE07FCE-B709-47DC-8200-7DDA10FC1C40}"/>
+              </a:ext>
+            </a:extLst>
+          </p:cNvPr>
+          <p:cNvSpPr/>
+          <p:nvPr/>
+        </p:nvSpPr>
+        <p:spPr>
+          <a:xfrm>
+            <a:off x="2233677" y="798398"/>
+            <a:ext cx="4794919" cy="718784"/>
+          </a:xfrm>
+          <a:prstGeom prst="roundRect">
+            <a:avLst/>
+          </a:prstGeom>
+        </p:spPr>
+        <p:style>
+          <a:lnRef idx="2">
+            <a:schemeClr val="accent1">
+              <a:shade val="50000"/>
+            </a:schemeClr>
+          </a:lnRef>
+          <a:fillRef idx="1">
+            <a:schemeClr val="accent1"/>
+          </a:fillRef>
+          <a:effectRef idx="0">
+            <a:schemeClr val="accent1"/>
+          </a:effectRef>
+          <a:fontRef idx="minor">
+            <a:schemeClr val="lt1"/>
+          </a:fontRef>
+        </p:style>
+        <p:txBody>
+          <a:bodyPr rtlCol="0" anchor="ctr"/>
+          <a:lstStyle/>
+          <a:p>
+            <a:pPr algn="ctr"/>
+            <a:r>
+              <a:rPr lang="es-ES" dirty="0"/>
+              <a:t>Imprimir </a:t>
+            </a:r>
+          </a:p>
+        </p:txBody>
+      </p:sp>
+      <p:sp>
+        <p:nvSpPr>
+          <p:cNvPr id="7" name="Rectángulo: esquinas redondeadas 6">
+            <a:extLst>
+              <a:ext uri="{FF2B5EF4-FFF2-40B4-BE49-F238E27FC236}">
+                <a16:creationId xmlns:a16="http://schemas.microsoft.com/office/drawing/2014/main" id="{D2D51014-2CB2-4036-810C-3B07AE06B2B5}"/>
+              </a:ext>
+            </a:extLst>
+          </p:cNvPr>
+          <p:cNvSpPr/>
+          <p:nvPr/>
+        </p:nvSpPr>
+        <p:spPr>
+          <a:xfrm>
+            <a:off x="7488068" y="873461"/>
+            <a:ext cx="4390036" cy="791570"/>
+          </a:xfrm>
+          <a:prstGeom prst="roundRect">
+            <a:avLst/>
+          </a:prstGeom>
+        </p:spPr>
+        <p:style>
+          <a:lnRef idx="2">
+            <a:schemeClr val="accent1">
+              <a:shade val="50000"/>
+            </a:schemeClr>
+          </a:lnRef>
+          <a:fillRef idx="1">
+            <a:schemeClr val="accent1"/>
+          </a:fillRef>
+          <a:effectRef idx="0">
+            <a:schemeClr val="accent1"/>
+          </a:effectRef>
+          <a:fontRef idx="minor">
+            <a:schemeClr val="lt1"/>
+          </a:fontRef>
+        </p:style>
+        <p:txBody>
+          <a:bodyPr rtlCol="0" anchor="ctr"/>
+          <a:lstStyle/>
+          <a:p>
+            <a:pPr algn="ctr"/>
+            <a:r>
+              <a:rPr lang="es-ES" dirty="0"/>
+              <a:t>compartir</a:t>
+            </a:r>
+          </a:p>
+        </p:txBody>
+      </p:sp>
+      <p:sp>
+        <p:nvSpPr>
+          <p:cNvPr id="9" name="Rectángulo 8">
+            <a:extLst>
+              <a:ext uri="{FF2B5EF4-FFF2-40B4-BE49-F238E27FC236}">
+                <a16:creationId xmlns:a16="http://schemas.microsoft.com/office/drawing/2014/main" id="{EAA84D19-F546-4584-BCA3-F38BE13D6F5B}"/>
+              </a:ext>
+            </a:extLst>
+          </p:cNvPr>
+          <p:cNvSpPr/>
+          <p:nvPr/>
+        </p:nvSpPr>
+        <p:spPr>
+          <a:xfrm>
+            <a:off x="1019028" y="1812879"/>
+            <a:ext cx="4044289" cy="1153235"/>
+          </a:xfrm>
+          <a:prstGeom prst="rect">
+            <a:avLst/>
+          </a:prstGeom>
+        </p:spPr>
+        <p:style>
+          <a:lnRef idx="2">
+            <a:schemeClr val="accent1">
+              <a:shade val="50000"/>
+            </a:schemeClr>
+          </a:lnRef>
+          <a:fillRef idx="1">
+            <a:schemeClr val="accent1"/>
+          </a:fillRef>
+          <a:effectRef idx="0">
+            <a:schemeClr val="accent1"/>
+          </a:effectRef>
+          <a:fontRef idx="minor">
+            <a:schemeClr val="lt1"/>
+          </a:fontRef>
+        </p:style>
+        <p:txBody>
+          <a:bodyPr rtlCol="0" anchor="ctr"/>
+          <a:lstStyle/>
+          <a:p>
+            <a:pPr algn="ctr"/>
+            <a:endParaRPr lang="es-ES" dirty="0"/>
+          </a:p>
+        </p:txBody>
+      </p:sp>
+      <p:sp>
+        <p:nvSpPr>
+          <p:cNvPr id="10" name="Rectángulo 9">
+            <a:extLst>
+              <a:ext uri="{FF2B5EF4-FFF2-40B4-BE49-F238E27FC236}">
+                <a16:creationId xmlns:a16="http://schemas.microsoft.com/office/drawing/2014/main" id="{0FC863C7-BE53-43F2-9CA5-A743D96DDBFF}"/>
+              </a:ext>
+            </a:extLst>
+          </p:cNvPr>
+          <p:cNvSpPr/>
+          <p:nvPr/>
+        </p:nvSpPr>
+        <p:spPr>
+          <a:xfrm>
+            <a:off x="1019030" y="4205783"/>
+            <a:ext cx="10417793" cy="2263255"/>
+          </a:xfrm>
+          <a:prstGeom prst="rect">
+            <a:avLst/>
+          </a:prstGeom>
+        </p:spPr>
+        <p:style>
+          <a:lnRef idx="2">
+            <a:schemeClr val="accent1">
+              <a:shade val="50000"/>
+            </a:schemeClr>
+          </a:lnRef>
+          <a:fillRef idx="1">
+            <a:schemeClr val="accent1"/>
+          </a:fillRef>
+          <a:effectRef idx="0">
+            <a:schemeClr val="accent1"/>
+          </a:effectRef>
+          <a:fontRef idx="minor">
+            <a:schemeClr val="lt1"/>
+          </a:fontRef>
+        </p:style>
+        <p:txBody>
+          <a:bodyPr rtlCol="0" anchor="ctr"/>
+          <a:lstStyle/>
+          <a:p>
+            <a:pPr algn="ctr"/>
+            <a:r>
+              <a:rPr lang="es-ES" dirty="0"/>
+              <a:t>boleta</a:t>
+            </a:r>
+          </a:p>
+        </p:txBody>
+      </p:sp>
+      <p:sp>
+        <p:nvSpPr>
+          <p:cNvPr id="11" name="Rectángulo 10">
+            <a:extLst>
+              <a:ext uri="{FF2B5EF4-FFF2-40B4-BE49-F238E27FC236}">
+                <a16:creationId xmlns:a16="http://schemas.microsoft.com/office/drawing/2014/main" id="{983C9004-FF67-4359-96AD-A4685E7D65BB}"/>
+              </a:ext>
+            </a:extLst>
+          </p:cNvPr>
+          <p:cNvSpPr/>
+          <p:nvPr/>
+        </p:nvSpPr>
+        <p:spPr>
+          <a:xfrm>
+            <a:off x="5581935" y="1812879"/>
+            <a:ext cx="5591038" cy="1153235"/>
+          </a:xfrm>
+          <a:prstGeom prst="rect">
+            <a:avLst/>
+          </a:prstGeom>
+        </p:spPr>
+        <p:style>
+          <a:lnRef idx="2">
+            <a:schemeClr val="accent1">
+              <a:shade val="50000"/>
+            </a:schemeClr>
+          </a:lnRef>
+          <a:fillRef idx="1">
+            <a:schemeClr val="accent1"/>
+          </a:fillRef>
+          <a:effectRef idx="0">
+            <a:schemeClr val="accent1"/>
+          </a:effectRef>
+          <a:fontRef idx="minor">
+            <a:schemeClr val="lt1"/>
+          </a:fontRef>
+        </p:style>
+        <p:txBody>
+          <a:bodyPr rtlCol="0" anchor="ctr"/>
+          <a:lstStyle/>
+          <a:p>
+            <a:pPr algn="ctr"/>
+            <a:endParaRPr lang="es-ES" dirty="0"/>
+          </a:p>
+        </p:txBody>
+      </p:sp>
+      <p:sp>
+        <p:nvSpPr>
+          <p:cNvPr id="12" name="Rectángulo 11">
+            <a:extLst>
+              <a:ext uri="{FF2B5EF4-FFF2-40B4-BE49-F238E27FC236}">
+                <a16:creationId xmlns:a16="http://schemas.microsoft.com/office/drawing/2014/main" id="{8B944046-AEEC-4BC0-8B8D-1AD28604C022}"/>
+              </a:ext>
+            </a:extLst>
+          </p:cNvPr>
+          <p:cNvSpPr/>
+          <p:nvPr/>
+        </p:nvSpPr>
+        <p:spPr>
+          <a:xfrm>
+            <a:off x="1019028" y="3209501"/>
+            <a:ext cx="10265393" cy="718784"/>
+          </a:xfrm>
+          <a:prstGeom prst="rect">
+            <a:avLst/>
+          </a:prstGeom>
+        </p:spPr>
+        <p:style>
+          <a:lnRef idx="2">
+            <a:schemeClr val="accent1">
+              <a:shade val="50000"/>
+            </a:schemeClr>
+          </a:lnRef>
+          <a:fillRef idx="1">
+            <a:schemeClr val="accent1"/>
+          </a:fillRef>
+          <a:effectRef idx="0">
+            <a:schemeClr val="accent1"/>
+          </a:effectRef>
+          <a:fontRef idx="minor">
+            <a:schemeClr val="lt1"/>
+          </a:fontRef>
+        </p:style>
+        <p:txBody>
+          <a:bodyPr rtlCol="0" anchor="ctr"/>
+          <a:lstStyle/>
+          <a:p>
+            <a:pPr algn="ctr"/>
+            <a:endParaRPr lang="es-ES" dirty="0"/>
+          </a:p>
+        </p:txBody>
+      </p:sp>
+      <p:sp>
+        <p:nvSpPr>
+          <p:cNvPr id="13" name="Elipse 12">
+            <a:extLst>
+              <a:ext uri="{FF2B5EF4-FFF2-40B4-BE49-F238E27FC236}">
+                <a16:creationId xmlns:a16="http://schemas.microsoft.com/office/drawing/2014/main" id="{03AEC246-4762-4C2F-B213-BEDC1C4286A2}"/>
+              </a:ext>
+            </a:extLst>
+          </p:cNvPr>
+          <p:cNvSpPr/>
+          <p:nvPr/>
+        </p:nvSpPr>
+        <p:spPr>
+          <a:xfrm>
+            <a:off x="1019028" y="736411"/>
+            <a:ext cx="755177" cy="636894"/>
+          </a:xfrm>
+          <a:prstGeom prst="ellipse">
+            <a:avLst/>
+          </a:prstGeom>
+        </p:spPr>
+        <p:style>
+          <a:lnRef idx="2">
+            <a:schemeClr val="accent1">
+              <a:shade val="50000"/>
+            </a:schemeClr>
+          </a:lnRef>
+          <a:fillRef idx="1">
+            <a:schemeClr val="accent1"/>
+          </a:fillRef>
+          <a:effectRef idx="0">
+            <a:schemeClr val="accent1"/>
+          </a:effectRef>
+          <a:fontRef idx="minor">
+            <a:schemeClr val="lt1"/>
+          </a:fontRef>
+        </p:style>
+        <p:txBody>
+          <a:bodyPr rtlCol="0" anchor="ctr"/>
+          <a:lstStyle/>
+          <a:p>
+            <a:r>
+              <a:rPr lang="es-ES" b="0" dirty="0">
+                <a:solidFill>
+                  <a:srgbClr val="D5CED9"/>
+                </a:solidFill>
+                <a:effectLst/>
+                <a:latin typeface="Consolas" panose="020B0609020204030204" pitchFamily="49" charset="0"/>
+              </a:rPr>
+              <a:t>&lt;</a:t>
+            </a:r>
+          </a:p>
+        </p:txBody>
+      </p:sp>
+      <p:sp>
+        <p:nvSpPr>
+          <p:cNvPr id="14" name="Rectángulo 13">
+            <a:extLst>
+              <a:ext uri="{FF2B5EF4-FFF2-40B4-BE49-F238E27FC236}">
+                <a16:creationId xmlns:a16="http://schemas.microsoft.com/office/drawing/2014/main" id="{3E7B6AF2-AAAB-4A50-A61C-20AF11EB56F7}"/>
+              </a:ext>
+            </a:extLst>
+          </p:cNvPr>
+          <p:cNvSpPr/>
+          <p:nvPr/>
+        </p:nvSpPr>
+        <p:spPr>
+          <a:xfrm>
+            <a:off x="2233677" y="122830"/>
+            <a:ext cx="8384281" cy="379871"/>
+          </a:xfrm>
+          <a:prstGeom prst="rect">
+            <a:avLst/>
+          </a:prstGeom>
+        </p:spPr>
+        <p:style>
+          <a:lnRef idx="2">
+            <a:schemeClr val="accent1">
+              <a:shade val="50000"/>
+            </a:schemeClr>
+          </a:lnRef>
+          <a:fillRef idx="1">
+            <a:schemeClr val="accent1"/>
+          </a:fillRef>
+          <a:effectRef idx="0">
+            <a:schemeClr val="accent1"/>
+          </a:effectRef>
+          <a:fontRef idx="minor">
+            <a:schemeClr val="lt1"/>
+          </a:fontRef>
+        </p:style>
+        <p:txBody>
+          <a:bodyPr rtlCol="0" anchor="ctr"/>
+          <a:lstStyle/>
+          <a:p>
+            <a:pPr algn="ctr"/>
+            <a:r>
+              <a:rPr lang="es-ES" dirty="0"/>
+              <a:t>Datos </a:t>
+            </a:r>
+            <a:r>
+              <a:rPr lang="es-ES" dirty="0" err="1"/>
+              <a:t>voleta</a:t>
+            </a:r>
+            <a:r>
+              <a:rPr lang="es-ES" dirty="0"/>
+              <a:t> </a:t>
+            </a:r>
+          </a:p>
+        </p:txBody>
+      </p:sp>
+    </p:spTree>
+    <p:extLst>
+      <p:ext uri="{BB962C8B-B14F-4D97-AF65-F5344CB8AC3E}">
+        <p14:creationId xmlns:p14="http://schemas.microsoft.com/office/powerpoint/2010/main" val="2948181643"/>
+      </p:ext>
+    </p:extLst>
+  </p:cSld>
+  <p:clrMapOvr>
+    <a:masterClrMapping/>
+  </p:clrMapOvr>
+</p:sld>
+</file>
+
+<file path=ppt/slides/slide6.xml><?xml version="1.0" encoding="utf-8"?>
+<p:sld xmlns:a="http://schemas.openxmlformats.org/drawingml/2006/main" xmlns:r="http://schemas.openxmlformats.org/officeDocument/2006/relationships" xmlns:p="http://schemas.openxmlformats.org/presentationml/2006/main">
+  <p:cSld>
+    <p:spTree>
+      <p:nvGrpSpPr>
+        <p:cNvPr id="1" name=""/>
+        <p:cNvGrpSpPr/>
+        <p:nvPr/>
+      </p:nvGrpSpPr>
+      <p:grpSpPr>
+        <a:xfrm>
+          <a:off x="0" y="0"/>
+          <a:ext cx="0" cy="0"/>
+          <a:chOff x="0" y="0"/>
+          <a:chExt cx="0" cy="0"/>
+        </a:xfrm>
+      </p:grpSpPr>
+      <p:sp>
+        <p:nvSpPr>
+          <p:cNvPr id="4" name="Rectángulo 3">
+            <a:extLst>
+              <a:ext uri="{FF2B5EF4-FFF2-40B4-BE49-F238E27FC236}">
+                <a16:creationId xmlns:a16="http://schemas.microsoft.com/office/drawing/2014/main" id="{B0043C3B-C4C7-4397-B266-2A3283B1509C}"/>
+              </a:ext>
+            </a:extLst>
+          </p:cNvPr>
+          <p:cNvSpPr/>
+          <p:nvPr/>
+        </p:nvSpPr>
+        <p:spPr>
+          <a:xfrm>
+            <a:off x="555009" y="122830"/>
+            <a:ext cx="11195713" cy="477671"/>
+          </a:xfrm>
+          <a:prstGeom prst="rect">
+            <a:avLst/>
+          </a:prstGeom>
+        </p:spPr>
+        <p:style>
+          <a:lnRef idx="2">
+            <a:schemeClr val="accent1">
+              <a:shade val="50000"/>
+            </a:schemeClr>
+          </a:lnRef>
+          <a:fillRef idx="1">
+            <a:schemeClr val="accent1"/>
+          </a:fillRef>
+          <a:effectRef idx="0">
+            <a:schemeClr val="accent1"/>
+          </a:effectRef>
+          <a:fontRef idx="minor">
+            <a:schemeClr val="lt1"/>
+          </a:fontRef>
+        </p:style>
+        <p:txBody>
+          <a:bodyPr rtlCol="0" anchor="ctr"/>
+          <a:lstStyle/>
+          <a:p>
+            <a:pPr algn="ctr"/>
+            <a:r>
+              <a:rPr lang="es-ES" dirty="0"/>
+              <a:t>Empresas concurrentes   </a:t>
+            </a:r>
+          </a:p>
+        </p:txBody>
+      </p:sp>
+      <p:sp>
+        <p:nvSpPr>
+          <p:cNvPr id="5" name="Rectángulo 4">
+            <a:extLst>
+              <a:ext uri="{FF2B5EF4-FFF2-40B4-BE49-F238E27FC236}">
+                <a16:creationId xmlns:a16="http://schemas.microsoft.com/office/drawing/2014/main" id="{E16DDB62-244C-4DA3-B1AD-D30574E62E7E}"/>
+              </a:ext>
+            </a:extLst>
+          </p:cNvPr>
+          <p:cNvSpPr/>
+          <p:nvPr/>
+        </p:nvSpPr>
+        <p:spPr>
+          <a:xfrm>
+            <a:off x="555009" y="1446664"/>
+            <a:ext cx="11195712" cy="5240740"/>
+          </a:xfrm>
+          <a:prstGeom prst="rect">
+            <a:avLst/>
+          </a:prstGeom>
+        </p:spPr>
+        <p:style>
+          <a:lnRef idx="2">
+            <a:schemeClr val="accent1">
+              <a:shade val="50000"/>
+            </a:schemeClr>
+          </a:lnRef>
+          <a:fillRef idx="1">
+            <a:schemeClr val="accent1"/>
+          </a:fillRef>
+          <a:effectRef idx="0">
+            <a:schemeClr val="accent1"/>
+          </a:effectRef>
+          <a:fontRef idx="minor">
+            <a:schemeClr val="lt1"/>
+          </a:fontRef>
+        </p:style>
+        <p:txBody>
+          <a:bodyPr rtlCol="0" anchor="ctr"/>
+          <a:lstStyle/>
+          <a:p>
+            <a:pPr algn="ctr"/>
+            <a:endParaRPr lang="es-ES"/>
+          </a:p>
+        </p:txBody>
+      </p:sp>
+      <p:sp>
+        <p:nvSpPr>
+          <p:cNvPr id="6" name="Rectángulo 5">
+            <a:extLst>
+              <a:ext uri="{FF2B5EF4-FFF2-40B4-BE49-F238E27FC236}">
+                <a16:creationId xmlns:a16="http://schemas.microsoft.com/office/drawing/2014/main" id="{68F7A589-BD1C-41B8-B59B-6BB2DB39F6FD}"/>
+              </a:ext>
+            </a:extLst>
+          </p:cNvPr>
+          <p:cNvSpPr/>
+          <p:nvPr/>
+        </p:nvSpPr>
+        <p:spPr>
+          <a:xfrm>
+            <a:off x="702861" y="1835624"/>
+            <a:ext cx="10795378" cy="641445"/>
+          </a:xfrm>
+          <a:prstGeom prst="rect">
+            <a:avLst/>
+          </a:prstGeom>
+        </p:spPr>
+        <p:style>
+          <a:lnRef idx="2">
+            <a:schemeClr val="accent1">
+              <a:shade val="50000"/>
+            </a:schemeClr>
+          </a:lnRef>
+          <a:fillRef idx="1">
+            <a:schemeClr val="accent1"/>
+          </a:fillRef>
+          <a:effectRef idx="0">
+            <a:schemeClr val="accent1"/>
+          </a:effectRef>
+          <a:fontRef idx="minor">
+            <a:schemeClr val="lt1"/>
+          </a:fontRef>
+        </p:style>
+        <p:txBody>
+          <a:bodyPr rtlCol="0" anchor="ctr"/>
+          <a:lstStyle/>
+          <a:p>
+            <a:pPr algn="ctr"/>
+            <a:r>
+              <a:rPr lang="es-ES" dirty="0"/>
+              <a:t>Nombre empresa (cantidad Consumo)  MONTO TOLTAL DE CONSUMO </a:t>
+            </a:r>
+            <a:r>
+              <a:rPr lang="es-ES" dirty="0" err="1"/>
+              <a:t>fech_utima</a:t>
+            </a:r>
+            <a:r>
+              <a:rPr lang="es-ES" dirty="0"/>
+              <a:t> compra</a:t>
+            </a:r>
+          </a:p>
+        </p:txBody>
+      </p:sp>
+      <p:sp>
+        <p:nvSpPr>
+          <p:cNvPr id="8" name="Estrella: 5 puntas 7">
+            <a:extLst>
+              <a:ext uri="{FF2B5EF4-FFF2-40B4-BE49-F238E27FC236}">
+                <a16:creationId xmlns:a16="http://schemas.microsoft.com/office/drawing/2014/main" id="{CCFEA60B-9BAD-404C-98B0-A36D0E5B754C}"/>
+              </a:ext>
+            </a:extLst>
+          </p:cNvPr>
+          <p:cNvSpPr/>
+          <p:nvPr/>
+        </p:nvSpPr>
+        <p:spPr>
+          <a:xfrm>
+            <a:off x="11061509" y="2006220"/>
+            <a:ext cx="277505" cy="300251"/>
+          </a:xfrm>
+          <a:prstGeom prst="star5">
+            <a:avLst/>
+          </a:prstGeom>
+        </p:spPr>
+        <p:style>
+          <a:lnRef idx="2">
+            <a:schemeClr val="dk1">
+              <a:shade val="50000"/>
+            </a:schemeClr>
+          </a:lnRef>
+          <a:fillRef idx="1">
+            <a:schemeClr val="dk1"/>
+          </a:fillRef>
+          <a:effectRef idx="0">
+            <a:schemeClr val="dk1"/>
+          </a:effectRef>
+          <a:fontRef idx="minor">
+            <a:schemeClr val="lt1"/>
+          </a:fontRef>
+        </p:style>
+        <p:txBody>
+          <a:bodyPr rtlCol="0" anchor="ctr"/>
+          <a:lstStyle/>
+          <a:p>
+            <a:pPr algn="ctr"/>
+            <a:endParaRPr lang="es-ES">
+              <a:ln w="0"/>
+              <a:solidFill>
+                <a:schemeClr val="tx1"/>
+              </a:solidFill>
+              <a:effectLst>
+                <a:outerShdw blurRad="38100" dist="19050" dir="2700000" algn="tl" rotWithShape="0">
+                  <a:schemeClr val="dk1">
+                    <a:alpha val="40000"/>
+                  </a:schemeClr>
+                </a:outerShdw>
+              </a:effectLst>
+            </a:endParaRPr>
+          </a:p>
+        </p:txBody>
+      </p:sp>
+      <p:sp>
+        <p:nvSpPr>
+          <p:cNvPr id="9" name="Rectángulo 8">
+            <a:extLst>
+              <a:ext uri="{FF2B5EF4-FFF2-40B4-BE49-F238E27FC236}">
+                <a16:creationId xmlns:a16="http://schemas.microsoft.com/office/drawing/2014/main" id="{06E8BEA8-09FD-455A-9FBA-EA576544FC10}"/>
+              </a:ext>
+            </a:extLst>
+          </p:cNvPr>
+          <p:cNvSpPr/>
+          <p:nvPr/>
+        </p:nvSpPr>
+        <p:spPr>
+          <a:xfrm>
+            <a:off x="555010" y="832514"/>
+            <a:ext cx="11195712" cy="477670"/>
+          </a:xfrm>
+          <a:prstGeom prst="rect">
+            <a:avLst/>
+          </a:prstGeom>
+        </p:spPr>
+        <p:style>
+          <a:lnRef idx="2">
+            <a:schemeClr val="accent1">
+              <a:shade val="50000"/>
+            </a:schemeClr>
+          </a:lnRef>
+          <a:fillRef idx="1">
+            <a:schemeClr val="accent1"/>
+          </a:fillRef>
+          <a:effectRef idx="0">
+            <a:schemeClr val="accent1"/>
+          </a:effectRef>
+          <a:fontRef idx="minor">
+            <a:schemeClr val="lt1"/>
+          </a:fontRef>
+        </p:style>
+        <p:txBody>
+          <a:bodyPr rtlCol="0" anchor="ctr"/>
+          <a:lstStyle/>
+          <a:p>
+            <a:pPr algn="ctr"/>
+            <a:r>
+              <a:rPr lang="es-ES" dirty="0"/>
+              <a:t>(mostrar resaltados),(</a:t>
+            </a:r>
+            <a:r>
+              <a:rPr lang="es-ES" dirty="0" err="1"/>
+              <a:t>Bucador</a:t>
+            </a:r>
+            <a:r>
+              <a:rPr lang="es-ES" dirty="0"/>
+              <a:t>),(</a:t>
+            </a:r>
+            <a:r>
+              <a:rPr lang="es-ES" dirty="0" err="1"/>
+              <a:t>select</a:t>
+            </a:r>
+            <a:r>
+              <a:rPr lang="es-ES" dirty="0"/>
+              <a:t> tipo filtro) </a:t>
+            </a:r>
+          </a:p>
+        </p:txBody>
+      </p:sp>
+    </p:spTree>
+    <p:extLst>
+      <p:ext uri="{BB962C8B-B14F-4D97-AF65-F5344CB8AC3E}">
+        <p14:creationId xmlns:p14="http://schemas.microsoft.com/office/powerpoint/2010/main" val="677761235"/>
+      </p:ext>
+    </p:extLst>
+  </p:cSld>
+  <p:clrMapOvr>
+    <a:masterClrMapping/>
+  </p:clrMapOvr>
+</p:sld>
+</file>
+
+<file path=ppt/slides/slide7.xml><?xml version="1.0" encoding="utf-8"?>
+<p:sld xmlns:a="http://schemas.openxmlformats.org/drawingml/2006/main" xmlns:r="http://schemas.openxmlformats.org/officeDocument/2006/relationships" xmlns:p="http://schemas.openxmlformats.org/presentationml/2006/main">
+  <p:cSld>
+    <p:spTree>
+      <p:nvGrpSpPr>
+        <p:cNvPr id="1" name=""/>
+        <p:cNvGrpSpPr/>
+        <p:nvPr/>
+      </p:nvGrpSpPr>
+      <p:grpSpPr>
+        <a:xfrm>
+          <a:off x="0" y="0"/>
+          <a:ext cx="0" cy="0"/>
+          <a:chOff x="0" y="0"/>
+          <a:chExt cx="0" cy="0"/>
+        </a:xfrm>
+      </p:grpSpPr>
+      <p:sp>
+        <p:nvSpPr>
+          <p:cNvPr id="4" name="Rectángulo 3">
+            <a:extLst>
+              <a:ext uri="{FF2B5EF4-FFF2-40B4-BE49-F238E27FC236}">
+                <a16:creationId xmlns:a16="http://schemas.microsoft.com/office/drawing/2014/main" id="{FEEA1561-B4D1-4EE4-8256-40364210ED5D}"/>
+              </a:ext>
+            </a:extLst>
+          </p:cNvPr>
+          <p:cNvSpPr/>
+          <p:nvPr/>
+        </p:nvSpPr>
+        <p:spPr>
+          <a:xfrm>
+            <a:off x="341194" y="68240"/>
+            <a:ext cx="11450472" cy="668740"/>
+          </a:xfrm>
+          <a:prstGeom prst="rect">
+            <a:avLst/>
+          </a:prstGeom>
+        </p:spPr>
+        <p:style>
+          <a:lnRef idx="2">
+            <a:schemeClr val="accent1">
+              <a:shade val="50000"/>
+            </a:schemeClr>
+          </a:lnRef>
+          <a:fillRef idx="1">
+            <a:schemeClr val="accent1"/>
+          </a:fillRef>
+          <a:effectRef idx="0">
+            <a:schemeClr val="accent1"/>
+          </a:effectRef>
+          <a:fontRef idx="minor">
+            <a:schemeClr val="lt1"/>
+          </a:fontRef>
+        </p:style>
+        <p:txBody>
+          <a:bodyPr rtlCol="0" anchor="ctr"/>
+          <a:lstStyle/>
+          <a:p>
+            <a:pPr algn="ctr"/>
+            <a:r>
+              <a:rPr lang="es-ES" dirty="0"/>
+              <a:t>Hacer pedido</a:t>
+            </a:r>
+          </a:p>
+        </p:txBody>
+      </p:sp>
+      <p:sp>
+        <p:nvSpPr>
+          <p:cNvPr id="5" name="Rectángulo: esquinas redondeadas 4">
+            <a:extLst>
+              <a:ext uri="{FF2B5EF4-FFF2-40B4-BE49-F238E27FC236}">
+                <a16:creationId xmlns:a16="http://schemas.microsoft.com/office/drawing/2014/main" id="{BE53BD7B-E9BF-4D29-8AF2-6861BDEEEC8E}"/>
+              </a:ext>
+            </a:extLst>
+          </p:cNvPr>
+          <p:cNvSpPr/>
+          <p:nvPr/>
+        </p:nvSpPr>
+        <p:spPr>
+          <a:xfrm>
+            <a:off x="341194" y="791570"/>
+            <a:ext cx="11450471" cy="668740"/>
+          </a:xfrm>
+          <a:prstGeom prst="roundRect">
+            <a:avLst/>
+          </a:prstGeom>
+        </p:spPr>
+        <p:style>
+          <a:lnRef idx="2">
+            <a:schemeClr val="accent1">
+              <a:shade val="50000"/>
+            </a:schemeClr>
+          </a:lnRef>
+          <a:fillRef idx="1">
+            <a:schemeClr val="accent1"/>
+          </a:fillRef>
+          <a:effectRef idx="0">
+            <a:schemeClr val="accent1"/>
+          </a:effectRef>
+          <a:fontRef idx="minor">
+            <a:schemeClr val="lt1"/>
+          </a:fontRef>
+        </p:style>
+        <p:txBody>
+          <a:bodyPr rtlCol="0" anchor="ctr"/>
+          <a:lstStyle/>
+          <a:p>
+            <a:pPr algn="ctr"/>
+            <a:endParaRPr lang="es-ES"/>
+          </a:p>
+        </p:txBody>
+      </p:sp>
+      <p:sp>
+        <p:nvSpPr>
+          <p:cNvPr id="6" name="Rectángulo: esquinas redondeadas 5">
+            <a:extLst>
+              <a:ext uri="{FF2B5EF4-FFF2-40B4-BE49-F238E27FC236}">
+                <a16:creationId xmlns:a16="http://schemas.microsoft.com/office/drawing/2014/main" id="{E7B6F31C-1924-4AD7-BA66-43A43DC3E210}"/>
+              </a:ext>
+            </a:extLst>
+          </p:cNvPr>
+          <p:cNvSpPr/>
+          <p:nvPr/>
+        </p:nvSpPr>
+        <p:spPr>
+          <a:xfrm>
+            <a:off x="111459" y="1559257"/>
+            <a:ext cx="6796585" cy="5032613"/>
+          </a:xfrm>
+          <a:prstGeom prst="roundRect">
+            <a:avLst/>
+          </a:prstGeom>
+        </p:spPr>
+        <p:style>
+          <a:lnRef idx="2">
+            <a:schemeClr val="accent1">
+              <a:shade val="50000"/>
+            </a:schemeClr>
+          </a:lnRef>
+          <a:fillRef idx="1">
+            <a:schemeClr val="accent1"/>
+          </a:fillRef>
+          <a:effectRef idx="0">
+            <a:schemeClr val="accent1"/>
+          </a:effectRef>
+          <a:fontRef idx="minor">
+            <a:schemeClr val="lt1"/>
+          </a:fontRef>
+        </p:style>
+        <p:txBody>
+          <a:bodyPr rtlCol="0" anchor="ctr"/>
+          <a:lstStyle/>
+          <a:p>
+            <a:pPr algn="ctr"/>
+            <a:r>
+              <a:rPr lang="es-ES" dirty="0"/>
+              <a:t>Datos de filtrado</a:t>
+            </a:r>
+          </a:p>
+        </p:txBody>
+      </p:sp>
+      <p:sp>
+        <p:nvSpPr>
+          <p:cNvPr id="7" name="Rectángulo: esquinas redondeadas 6">
+            <a:extLst>
+              <a:ext uri="{FF2B5EF4-FFF2-40B4-BE49-F238E27FC236}">
+                <a16:creationId xmlns:a16="http://schemas.microsoft.com/office/drawing/2014/main" id="{95104F17-8BC4-41A4-87F2-B6D341B47E69}"/>
+              </a:ext>
+            </a:extLst>
+          </p:cNvPr>
+          <p:cNvSpPr/>
+          <p:nvPr/>
+        </p:nvSpPr>
+        <p:spPr>
+          <a:xfrm>
+            <a:off x="1201003" y="914400"/>
+            <a:ext cx="1815152" cy="450376"/>
+          </a:xfrm>
+          <a:prstGeom prst="roundRect">
+            <a:avLst/>
+          </a:prstGeom>
+        </p:spPr>
+        <p:style>
+          <a:lnRef idx="2">
+            <a:schemeClr val="accent1">
+              <a:shade val="50000"/>
+            </a:schemeClr>
+          </a:lnRef>
+          <a:fillRef idx="1">
+            <a:schemeClr val="accent1"/>
+          </a:fillRef>
+          <a:effectRef idx="0">
+            <a:schemeClr val="accent1"/>
+          </a:effectRef>
+          <a:fontRef idx="minor">
+            <a:schemeClr val="lt1"/>
+          </a:fontRef>
+        </p:style>
+        <p:txBody>
+          <a:bodyPr rtlCol="0" anchor="ctr"/>
+          <a:lstStyle/>
+          <a:p>
+            <a:pPr algn="ctr"/>
+            <a:r>
+              <a:rPr lang="es-ES" dirty="0"/>
+              <a:t>Mas destacado</a:t>
+            </a:r>
+          </a:p>
+        </p:txBody>
+      </p:sp>
+      <p:sp>
+        <p:nvSpPr>
+          <p:cNvPr id="8" name="Rectángulo: esquinas redondeadas 7">
+            <a:extLst>
+              <a:ext uri="{FF2B5EF4-FFF2-40B4-BE49-F238E27FC236}">
+                <a16:creationId xmlns:a16="http://schemas.microsoft.com/office/drawing/2014/main" id="{4D17278E-3FEF-4E9C-BBB8-648D4C60CFDB}"/>
+              </a:ext>
+            </a:extLst>
+          </p:cNvPr>
+          <p:cNvSpPr/>
+          <p:nvPr/>
+        </p:nvSpPr>
+        <p:spPr>
+          <a:xfrm>
+            <a:off x="484491" y="5036022"/>
+            <a:ext cx="2593074" cy="1214651"/>
+          </a:xfrm>
+          <a:prstGeom prst="roundRect">
+            <a:avLst/>
+          </a:prstGeom>
+        </p:spPr>
+        <p:style>
+          <a:lnRef idx="2">
+            <a:schemeClr val="accent1">
+              <a:shade val="50000"/>
+            </a:schemeClr>
+          </a:lnRef>
+          <a:fillRef idx="1">
+            <a:schemeClr val="accent1"/>
+          </a:fillRef>
+          <a:effectRef idx="0">
+            <a:schemeClr val="accent1"/>
+          </a:effectRef>
+          <a:fontRef idx="minor">
+            <a:schemeClr val="lt1"/>
+          </a:fontRef>
+        </p:style>
+        <p:txBody>
+          <a:bodyPr rtlCol="0" anchor="ctr"/>
+          <a:lstStyle/>
+          <a:p>
+            <a:pPr algn="ctr"/>
+            <a:r>
+              <a:rPr lang="es-ES" dirty="0"/>
+              <a:t>Requerimientos: </a:t>
+            </a:r>
+          </a:p>
+          <a:p>
+            <a:pPr algn="ctr"/>
+            <a:r>
+              <a:rPr lang="es-ES" dirty="0"/>
+              <a:t>Ubicación</a:t>
+            </a:r>
+          </a:p>
+          <a:p>
+            <a:pPr algn="ctr"/>
+            <a:endParaRPr lang="es-ES" dirty="0"/>
+          </a:p>
+        </p:txBody>
+      </p:sp>
+      <p:sp>
+        <p:nvSpPr>
+          <p:cNvPr id="10" name="Rectángulo: esquinas redondeadas 9">
+            <a:extLst>
+              <a:ext uri="{FF2B5EF4-FFF2-40B4-BE49-F238E27FC236}">
+                <a16:creationId xmlns:a16="http://schemas.microsoft.com/office/drawing/2014/main" id="{DD8FE800-A9D4-469E-A6F6-AA142A2C25C8}"/>
+              </a:ext>
+            </a:extLst>
+          </p:cNvPr>
+          <p:cNvSpPr/>
+          <p:nvPr/>
+        </p:nvSpPr>
+        <p:spPr>
+          <a:xfrm>
+            <a:off x="3468806" y="914400"/>
+            <a:ext cx="1815152" cy="450376"/>
+          </a:xfrm>
+          <a:prstGeom prst="roundRect">
+            <a:avLst/>
+          </a:prstGeom>
+        </p:spPr>
+        <p:style>
+          <a:lnRef idx="2">
+            <a:schemeClr val="accent1">
+              <a:shade val="50000"/>
+            </a:schemeClr>
+          </a:lnRef>
+          <a:fillRef idx="1">
+            <a:schemeClr val="accent1"/>
+          </a:fillRef>
+          <a:effectRef idx="0">
+            <a:schemeClr val="accent1"/>
+          </a:effectRef>
+          <a:fontRef idx="minor">
+            <a:schemeClr val="lt1"/>
+          </a:fontRef>
+        </p:style>
+        <p:txBody>
+          <a:bodyPr rtlCol="0" anchor="ctr"/>
+          <a:lstStyle/>
+          <a:p>
+            <a:pPr algn="ctr"/>
+            <a:r>
+              <a:rPr lang="es-ES" dirty="0"/>
+              <a:t>Mas económico</a:t>
+            </a:r>
+          </a:p>
+        </p:txBody>
+      </p:sp>
+      <p:sp>
+        <p:nvSpPr>
+          <p:cNvPr id="11" name="Rectángulo: esquinas redondeadas 10">
+            <a:extLst>
+              <a:ext uri="{FF2B5EF4-FFF2-40B4-BE49-F238E27FC236}">
+                <a16:creationId xmlns:a16="http://schemas.microsoft.com/office/drawing/2014/main" id="{897BEF07-DA9E-45D1-A093-D37DC9DCC7CA}"/>
+              </a:ext>
+            </a:extLst>
+          </p:cNvPr>
+          <p:cNvSpPr/>
+          <p:nvPr/>
+        </p:nvSpPr>
+        <p:spPr>
+          <a:xfrm>
+            <a:off x="6000468" y="900752"/>
+            <a:ext cx="1815152" cy="450376"/>
+          </a:xfrm>
+          <a:prstGeom prst="roundRect">
+            <a:avLst/>
+          </a:prstGeom>
+        </p:spPr>
+        <p:style>
+          <a:lnRef idx="2">
+            <a:schemeClr val="accent1">
+              <a:shade val="50000"/>
+            </a:schemeClr>
+          </a:lnRef>
+          <a:fillRef idx="1">
+            <a:schemeClr val="accent1"/>
+          </a:fillRef>
+          <a:effectRef idx="0">
+            <a:schemeClr val="accent1"/>
+          </a:effectRef>
+          <a:fontRef idx="minor">
+            <a:schemeClr val="lt1"/>
+          </a:fontRef>
+        </p:style>
+        <p:txBody>
+          <a:bodyPr rtlCol="0" anchor="ctr"/>
+          <a:lstStyle/>
+          <a:p>
+            <a:pPr algn="ctr"/>
+            <a:r>
+              <a:rPr lang="es-ES" dirty="0"/>
+              <a:t>Mas cercano</a:t>
+            </a:r>
+          </a:p>
+        </p:txBody>
+      </p:sp>
+      <p:sp>
+        <p:nvSpPr>
+          <p:cNvPr id="12" name="Rectángulo: esquinas redondeadas 11">
+            <a:extLst>
+              <a:ext uri="{FF2B5EF4-FFF2-40B4-BE49-F238E27FC236}">
+                <a16:creationId xmlns:a16="http://schemas.microsoft.com/office/drawing/2014/main" id="{72DE30A3-CA75-46B1-AD3E-18C5281ADE72}"/>
+              </a:ext>
+            </a:extLst>
+          </p:cNvPr>
+          <p:cNvSpPr/>
+          <p:nvPr/>
+        </p:nvSpPr>
+        <p:spPr>
+          <a:xfrm>
+            <a:off x="9892357" y="900752"/>
+            <a:ext cx="1815152" cy="450376"/>
+          </a:xfrm>
+          <a:prstGeom prst="roundRect">
+            <a:avLst/>
+          </a:prstGeom>
+        </p:spPr>
+        <p:style>
+          <a:lnRef idx="2">
+            <a:schemeClr val="accent1">
+              <a:shade val="50000"/>
+            </a:schemeClr>
+          </a:lnRef>
+          <a:fillRef idx="1">
+            <a:schemeClr val="accent1"/>
+          </a:fillRef>
+          <a:effectRef idx="0">
+            <a:schemeClr val="accent1"/>
+          </a:effectRef>
+          <a:fontRef idx="minor">
+            <a:schemeClr val="lt1"/>
+          </a:fontRef>
+        </p:style>
+        <p:txBody>
+          <a:bodyPr rtlCol="0" anchor="ctr"/>
+          <a:lstStyle/>
+          <a:p>
+            <a:pPr algn="ctr"/>
+            <a:r>
+              <a:rPr lang="es-ES" dirty="0" err="1"/>
+              <a:t>search</a:t>
+            </a:r>
+            <a:endParaRPr lang="es-ES" dirty="0"/>
+          </a:p>
+        </p:txBody>
+      </p:sp>
+      <p:sp>
+        <p:nvSpPr>
+          <p:cNvPr id="13" name="Rectángulo: esquinas redondeadas 12">
+            <a:extLst>
+              <a:ext uri="{FF2B5EF4-FFF2-40B4-BE49-F238E27FC236}">
+                <a16:creationId xmlns:a16="http://schemas.microsoft.com/office/drawing/2014/main" id="{56BFAE8B-C472-4C6B-B5BA-1A68BC949183}"/>
+              </a:ext>
+            </a:extLst>
+          </p:cNvPr>
+          <p:cNvSpPr/>
+          <p:nvPr/>
+        </p:nvSpPr>
+        <p:spPr>
+          <a:xfrm>
+            <a:off x="7946412" y="900752"/>
+            <a:ext cx="1815152" cy="450376"/>
+          </a:xfrm>
+          <a:prstGeom prst="roundRect">
+            <a:avLst/>
+          </a:prstGeom>
+        </p:spPr>
+        <p:style>
+          <a:lnRef idx="2">
+            <a:schemeClr val="accent1">
+              <a:shade val="50000"/>
+            </a:schemeClr>
+          </a:lnRef>
+          <a:fillRef idx="1">
+            <a:schemeClr val="accent1"/>
+          </a:fillRef>
+          <a:effectRef idx="0">
+            <a:schemeClr val="accent1"/>
+          </a:effectRef>
+          <a:fontRef idx="minor">
+            <a:schemeClr val="lt1"/>
+          </a:fontRef>
+        </p:style>
+        <p:txBody>
+          <a:bodyPr rtlCol="0" anchor="ctr"/>
+          <a:lstStyle/>
+          <a:p>
+            <a:pPr algn="ctr"/>
+            <a:r>
+              <a:rPr lang="es-ES" dirty="0"/>
+              <a:t>Tipo platillo</a:t>
+            </a:r>
+          </a:p>
+        </p:txBody>
+      </p:sp>
+      <p:sp>
+        <p:nvSpPr>
+          <p:cNvPr id="14" name="Rectángulo: esquinas redondeadas 13">
+            <a:extLst>
+              <a:ext uri="{FF2B5EF4-FFF2-40B4-BE49-F238E27FC236}">
+                <a16:creationId xmlns:a16="http://schemas.microsoft.com/office/drawing/2014/main" id="{EE366669-D992-46BC-AF4E-CD4C63CEB189}"/>
+              </a:ext>
+            </a:extLst>
+          </p:cNvPr>
+          <p:cNvSpPr/>
+          <p:nvPr/>
+        </p:nvSpPr>
+        <p:spPr>
+          <a:xfrm>
+            <a:off x="7035421" y="1566081"/>
+            <a:ext cx="5045120" cy="5025789"/>
+          </a:xfrm>
+          <a:prstGeom prst="roundRect">
+            <a:avLst/>
+          </a:prstGeom>
+        </p:spPr>
+        <p:style>
+          <a:lnRef idx="2">
+            <a:schemeClr val="accent1">
+              <a:shade val="50000"/>
+            </a:schemeClr>
+          </a:lnRef>
+          <a:fillRef idx="1">
+            <a:schemeClr val="accent1"/>
+          </a:fillRef>
+          <a:effectRef idx="0">
+            <a:schemeClr val="accent1"/>
+          </a:effectRef>
+          <a:fontRef idx="minor">
+            <a:schemeClr val="lt1"/>
+          </a:fontRef>
+        </p:style>
+        <p:txBody>
+          <a:bodyPr rtlCol="0" anchor="ctr"/>
+          <a:lstStyle/>
+          <a:p>
+            <a:r>
+              <a:rPr lang="es-ES" dirty="0"/>
+              <a:t> </a:t>
+            </a:r>
+          </a:p>
+        </p:txBody>
+      </p:sp>
+      <p:sp>
+        <p:nvSpPr>
+          <p:cNvPr id="16" name="Rectángulo: esquinas redondeadas 15">
+            <a:extLst>
+              <a:ext uri="{FF2B5EF4-FFF2-40B4-BE49-F238E27FC236}">
+                <a16:creationId xmlns:a16="http://schemas.microsoft.com/office/drawing/2014/main" id="{01F716D2-0F8E-400C-8CEC-A8168A6B493C}"/>
+              </a:ext>
+            </a:extLst>
+          </p:cNvPr>
+          <p:cNvSpPr/>
+          <p:nvPr/>
+        </p:nvSpPr>
+        <p:spPr>
+          <a:xfrm>
+            <a:off x="7478973" y="4411638"/>
+            <a:ext cx="4228536" cy="2060812"/>
+          </a:xfrm>
+          <a:prstGeom prst="roundRect">
+            <a:avLst/>
+          </a:prstGeom>
+        </p:spPr>
+        <p:style>
+          <a:lnRef idx="2">
+            <a:schemeClr val="accent1">
+              <a:shade val="50000"/>
+            </a:schemeClr>
+          </a:lnRef>
+          <a:fillRef idx="1">
+            <a:schemeClr val="accent1"/>
+          </a:fillRef>
+          <a:effectRef idx="0">
+            <a:schemeClr val="accent1"/>
+          </a:effectRef>
+          <a:fontRef idx="minor">
+            <a:schemeClr val="lt1"/>
+          </a:fontRef>
+        </p:style>
+        <p:txBody>
+          <a:bodyPr rtlCol="0" anchor="ctr"/>
+          <a:lstStyle/>
+          <a:p>
+            <a:pPr algn="ctr"/>
+            <a:r>
+              <a:rPr lang="es-ES" dirty="0"/>
+              <a:t>Ubicación geográfica</a:t>
+            </a:r>
+          </a:p>
+        </p:txBody>
+      </p:sp>
+      <p:sp>
+        <p:nvSpPr>
+          <p:cNvPr id="18" name="Rectángulo: esquinas redondeadas 17">
+            <a:extLst>
+              <a:ext uri="{FF2B5EF4-FFF2-40B4-BE49-F238E27FC236}">
+                <a16:creationId xmlns:a16="http://schemas.microsoft.com/office/drawing/2014/main" id="{968B5BB6-6219-4EE4-A5A3-305D101CAAFF}"/>
+              </a:ext>
+            </a:extLst>
+          </p:cNvPr>
+          <p:cNvSpPr/>
+          <p:nvPr/>
+        </p:nvSpPr>
+        <p:spPr>
+          <a:xfrm>
+            <a:off x="7216822" y="2193878"/>
+            <a:ext cx="4682318" cy="689212"/>
+          </a:xfrm>
+          <a:prstGeom prst="roundRect">
+            <a:avLst/>
+          </a:prstGeom>
+        </p:spPr>
+        <p:style>
+          <a:lnRef idx="2">
+            <a:schemeClr val="accent1">
+              <a:shade val="50000"/>
+            </a:schemeClr>
+          </a:lnRef>
+          <a:fillRef idx="1">
+            <a:schemeClr val="accent1"/>
+          </a:fillRef>
+          <a:effectRef idx="0">
+            <a:schemeClr val="accent1"/>
+          </a:effectRef>
+          <a:fontRef idx="minor">
+            <a:schemeClr val="lt1"/>
+          </a:fontRef>
+        </p:style>
+        <p:txBody>
+          <a:bodyPr rtlCol="0" anchor="ctr"/>
+          <a:lstStyle/>
+          <a:p>
+            <a:pPr algn="ctr"/>
+            <a:endParaRPr lang="es-ES" dirty="0"/>
+          </a:p>
+        </p:txBody>
+      </p:sp>
+      <p:sp>
+        <p:nvSpPr>
+          <p:cNvPr id="17" name="Rectángulo: esquinas redondeadas 16">
+            <a:extLst>
+              <a:ext uri="{FF2B5EF4-FFF2-40B4-BE49-F238E27FC236}">
+                <a16:creationId xmlns:a16="http://schemas.microsoft.com/office/drawing/2014/main" id="{82AEA9F3-EF28-492D-B51B-B280BB97A02C}"/>
+              </a:ext>
+            </a:extLst>
+          </p:cNvPr>
+          <p:cNvSpPr/>
+          <p:nvPr/>
+        </p:nvSpPr>
+        <p:spPr>
+          <a:xfrm>
+            <a:off x="9976513" y="2313296"/>
+            <a:ext cx="1815152" cy="450376"/>
+          </a:xfrm>
+          <a:prstGeom prst="roundRect">
+            <a:avLst/>
+          </a:prstGeom>
+        </p:spPr>
+        <p:style>
+          <a:lnRef idx="2">
+            <a:schemeClr val="accent1">
+              <a:shade val="50000"/>
+            </a:schemeClr>
+          </a:lnRef>
+          <a:fillRef idx="1">
+            <a:schemeClr val="accent1"/>
+          </a:fillRef>
+          <a:effectRef idx="0">
+            <a:schemeClr val="accent1"/>
+          </a:effectRef>
+          <a:fontRef idx="minor">
+            <a:schemeClr val="lt1"/>
+          </a:fontRef>
+        </p:style>
+        <p:txBody>
+          <a:bodyPr rtlCol="0" anchor="ctr"/>
+          <a:lstStyle/>
+          <a:p>
+            <a:pPr algn="ctr"/>
+            <a:r>
+              <a:rPr lang="es-ES" dirty="0"/>
+              <a:t>Hacer pedido</a:t>
+            </a:r>
+          </a:p>
+        </p:txBody>
+      </p:sp>
+      <p:sp>
+        <p:nvSpPr>
+          <p:cNvPr id="19" name="Rectángulo: esquinas redondeadas 18">
+            <a:extLst>
+              <a:ext uri="{FF2B5EF4-FFF2-40B4-BE49-F238E27FC236}">
+                <a16:creationId xmlns:a16="http://schemas.microsoft.com/office/drawing/2014/main" id="{EF357242-BA8F-41B2-9FCB-8BD1AC4A318E}"/>
+              </a:ext>
+            </a:extLst>
+          </p:cNvPr>
+          <p:cNvSpPr/>
+          <p:nvPr/>
+        </p:nvSpPr>
+        <p:spPr>
+          <a:xfrm>
+            <a:off x="7478972" y="2303059"/>
+            <a:ext cx="2282591" cy="450376"/>
+          </a:xfrm>
+          <a:prstGeom prst="roundRect">
+            <a:avLst/>
+          </a:prstGeom>
+        </p:spPr>
+        <p:style>
+          <a:lnRef idx="2">
+            <a:schemeClr val="accent1">
+              <a:shade val="50000"/>
+            </a:schemeClr>
+          </a:lnRef>
+          <a:fillRef idx="1">
+            <a:schemeClr val="accent1"/>
+          </a:fillRef>
+          <a:effectRef idx="0">
+            <a:schemeClr val="accent1"/>
+          </a:effectRef>
+          <a:fontRef idx="minor">
+            <a:schemeClr val="lt1"/>
+          </a:fontRef>
+        </p:style>
+        <p:txBody>
+          <a:bodyPr rtlCol="0" anchor="ctr"/>
+          <a:lstStyle/>
+          <a:p>
+            <a:pPr algn="ctr"/>
+            <a:r>
+              <a:rPr lang="es-ES" dirty="0"/>
+              <a:t>Datos de empresa</a:t>
+            </a:r>
+          </a:p>
+        </p:txBody>
+      </p:sp>
+    </p:spTree>
+    <p:extLst>
+      <p:ext uri="{BB962C8B-B14F-4D97-AF65-F5344CB8AC3E}">
+        <p14:creationId xmlns:p14="http://schemas.microsoft.com/office/powerpoint/2010/main" val="715930517"/>
+      </p:ext>
+    </p:extLst>
+  </p:cSld>
+  <p:clrMapOvr>
+    <a:masterClrMapping/>
+  </p:clrMapOvr>
+</p:sld>
+</file>
+
+<file path=ppt/slides/slide8.xml><?xml version="1.0" encoding="utf-8"?>
+<p:sld xmlns:a="http://schemas.openxmlformats.org/drawingml/2006/main" xmlns:r="http://schemas.openxmlformats.org/officeDocument/2006/relationships" xmlns:p="http://schemas.openxmlformats.org/presentationml/2006/main">
+  <p:cSld>
+    <p:spTree>
+      <p:nvGrpSpPr>
+        <p:cNvPr id="1" name=""/>
+        <p:cNvGrpSpPr/>
+        <p:nvPr/>
+      </p:nvGrpSpPr>
+      <p:grpSpPr>
+        <a:xfrm>
+          <a:off x="0" y="0"/>
+          <a:ext cx="0" cy="0"/>
+          <a:chOff x="0" y="0"/>
+          <a:chExt cx="0" cy="0"/>
+        </a:xfrm>
+      </p:grpSpPr>
+      <p:sp>
+        <p:nvSpPr>
+          <p:cNvPr id="4" name="Rectángulo 3">
+            <a:extLst>
+              <a:ext uri="{FF2B5EF4-FFF2-40B4-BE49-F238E27FC236}">
+                <a16:creationId xmlns:a16="http://schemas.microsoft.com/office/drawing/2014/main" id="{6BAE4F18-D848-45A7-9062-9E71D00864F9}"/>
+              </a:ext>
+            </a:extLst>
+          </p:cNvPr>
+          <p:cNvSpPr/>
+          <p:nvPr/>
+        </p:nvSpPr>
+        <p:spPr>
+          <a:xfrm>
+            <a:off x="272956" y="272955"/>
+            <a:ext cx="11682483" cy="655093"/>
+          </a:xfrm>
+          <a:prstGeom prst="rect">
+            <a:avLst/>
+          </a:prstGeom>
+        </p:spPr>
+        <p:style>
+          <a:lnRef idx="2">
+            <a:schemeClr val="accent1">
+              <a:shade val="50000"/>
+            </a:schemeClr>
+          </a:lnRef>
+          <a:fillRef idx="1">
+            <a:schemeClr val="accent1"/>
+          </a:fillRef>
+          <a:effectRef idx="0">
+            <a:schemeClr val="accent1"/>
+          </a:effectRef>
+          <a:fontRef idx="minor">
+            <a:schemeClr val="lt1"/>
+          </a:fontRef>
+        </p:style>
+        <p:txBody>
+          <a:bodyPr rtlCol="0" anchor="ctr"/>
+          <a:lstStyle/>
+          <a:p>
+            <a:pPr algn="ctr"/>
+            <a:r>
+              <a:rPr lang="es-ES" dirty="0"/>
+              <a:t>Perfil </a:t>
+            </a:r>
+            <a:r>
+              <a:rPr lang="es-ES" dirty="0" err="1"/>
+              <a:t>User</a:t>
+            </a:r>
+            <a:endParaRPr lang="es-ES" dirty="0"/>
+          </a:p>
+        </p:txBody>
+      </p:sp>
+      <p:sp>
+        <p:nvSpPr>
+          <p:cNvPr id="5" name="Rectángulo 4">
+            <a:extLst>
+              <a:ext uri="{FF2B5EF4-FFF2-40B4-BE49-F238E27FC236}">
+                <a16:creationId xmlns:a16="http://schemas.microsoft.com/office/drawing/2014/main" id="{A687EED1-E488-41E7-9E26-1B57A0352E40}"/>
+              </a:ext>
+            </a:extLst>
+          </p:cNvPr>
+          <p:cNvSpPr/>
+          <p:nvPr/>
+        </p:nvSpPr>
+        <p:spPr>
+          <a:xfrm>
+            <a:off x="409433" y="2074456"/>
+            <a:ext cx="2825086" cy="2429302"/>
+          </a:xfrm>
+          <a:prstGeom prst="rect">
+            <a:avLst/>
+          </a:prstGeom>
+        </p:spPr>
+        <p:style>
+          <a:lnRef idx="2">
+            <a:schemeClr val="accent1">
+              <a:shade val="50000"/>
+            </a:schemeClr>
+          </a:lnRef>
+          <a:fillRef idx="1">
+            <a:schemeClr val="accent1"/>
+          </a:fillRef>
+          <a:effectRef idx="0">
+            <a:schemeClr val="accent1"/>
+          </a:effectRef>
+          <a:fontRef idx="minor">
+            <a:schemeClr val="lt1"/>
+          </a:fontRef>
+        </p:style>
+        <p:txBody>
+          <a:bodyPr rtlCol="0" anchor="ctr"/>
+          <a:lstStyle/>
+          <a:p>
+            <a:pPr algn="ctr"/>
+            <a:r>
+              <a:rPr lang="es-ES" dirty="0"/>
+              <a:t>foto</a:t>
+            </a:r>
+          </a:p>
+        </p:txBody>
+      </p:sp>
+      <p:sp>
+        <p:nvSpPr>
+          <p:cNvPr id="6" name="Rectángulo 5">
+            <a:extLst>
+              <a:ext uri="{FF2B5EF4-FFF2-40B4-BE49-F238E27FC236}">
+                <a16:creationId xmlns:a16="http://schemas.microsoft.com/office/drawing/2014/main" id="{E54592AA-5F7C-43FD-A0C2-7D09A32EF231}"/>
+              </a:ext>
+            </a:extLst>
+          </p:cNvPr>
+          <p:cNvSpPr/>
+          <p:nvPr/>
+        </p:nvSpPr>
+        <p:spPr>
+          <a:xfrm>
+            <a:off x="4424149" y="2167722"/>
+            <a:ext cx="6864824" cy="655093"/>
+          </a:xfrm>
+          <a:prstGeom prst="rect">
+            <a:avLst/>
+          </a:prstGeom>
+        </p:spPr>
+        <p:style>
+          <a:lnRef idx="2">
+            <a:schemeClr val="accent1">
+              <a:shade val="50000"/>
+            </a:schemeClr>
+          </a:lnRef>
+          <a:fillRef idx="1">
+            <a:schemeClr val="accent1"/>
+          </a:fillRef>
+          <a:effectRef idx="0">
+            <a:schemeClr val="accent1"/>
+          </a:effectRef>
+          <a:fontRef idx="minor">
+            <a:schemeClr val="lt1"/>
+          </a:fontRef>
+        </p:style>
+        <p:txBody>
+          <a:bodyPr rtlCol="0" anchor="ctr"/>
+          <a:lstStyle/>
+          <a:p>
+            <a:pPr algn="ctr"/>
+            <a:endParaRPr lang="es-ES"/>
+          </a:p>
+        </p:txBody>
+      </p:sp>
+      <p:sp>
+        <p:nvSpPr>
+          <p:cNvPr id="7" name="Rectángulo 6">
+            <a:extLst>
+              <a:ext uri="{FF2B5EF4-FFF2-40B4-BE49-F238E27FC236}">
+                <a16:creationId xmlns:a16="http://schemas.microsoft.com/office/drawing/2014/main" id="{1E650B09-F5A8-4825-8ACA-C69E68BCBFD1}"/>
+              </a:ext>
+            </a:extLst>
+          </p:cNvPr>
+          <p:cNvSpPr/>
+          <p:nvPr/>
+        </p:nvSpPr>
+        <p:spPr>
+          <a:xfrm>
+            <a:off x="272956" y="1131625"/>
+            <a:ext cx="11682482" cy="655093"/>
+          </a:xfrm>
+          <a:prstGeom prst="rect">
+            <a:avLst/>
+          </a:prstGeom>
+        </p:spPr>
+        <p:style>
+          <a:lnRef idx="2">
+            <a:schemeClr val="accent1">
+              <a:shade val="50000"/>
+            </a:schemeClr>
+          </a:lnRef>
+          <a:fillRef idx="1">
+            <a:schemeClr val="accent1"/>
+          </a:fillRef>
+          <a:effectRef idx="0">
+            <a:schemeClr val="accent1"/>
+          </a:effectRef>
+          <a:fontRef idx="minor">
+            <a:schemeClr val="lt1"/>
+          </a:fontRef>
+        </p:style>
+        <p:txBody>
+          <a:bodyPr rtlCol="0" anchor="ctr"/>
+          <a:lstStyle/>
+          <a:p>
+            <a:pPr algn="ctr"/>
+            <a:endParaRPr lang="es-ES"/>
+          </a:p>
+        </p:txBody>
+      </p:sp>
+      <p:sp>
+        <p:nvSpPr>
+          <p:cNvPr id="8" name="Rectángulo 7">
+            <a:extLst>
+              <a:ext uri="{FF2B5EF4-FFF2-40B4-BE49-F238E27FC236}">
+                <a16:creationId xmlns:a16="http://schemas.microsoft.com/office/drawing/2014/main" id="{CC04CA43-661F-425D-BFF6-75FB8F61A941}"/>
+              </a:ext>
+            </a:extLst>
+          </p:cNvPr>
+          <p:cNvSpPr/>
+          <p:nvPr/>
+        </p:nvSpPr>
+        <p:spPr>
+          <a:xfrm>
+            <a:off x="4424149" y="4035184"/>
+            <a:ext cx="6864824" cy="655093"/>
+          </a:xfrm>
+          <a:prstGeom prst="rect">
+            <a:avLst/>
+          </a:prstGeom>
+        </p:spPr>
+        <p:style>
+          <a:lnRef idx="2">
+            <a:schemeClr val="accent1">
+              <a:shade val="50000"/>
+            </a:schemeClr>
+          </a:lnRef>
+          <a:fillRef idx="1">
+            <a:schemeClr val="accent1"/>
+          </a:fillRef>
+          <a:effectRef idx="0">
+            <a:schemeClr val="accent1"/>
+          </a:effectRef>
+          <a:fontRef idx="minor">
+            <a:schemeClr val="lt1"/>
+          </a:fontRef>
+        </p:style>
+        <p:txBody>
+          <a:bodyPr rtlCol="0" anchor="ctr"/>
+          <a:lstStyle/>
+          <a:p>
+            <a:pPr algn="ctr"/>
+            <a:endParaRPr lang="es-ES"/>
+          </a:p>
+        </p:txBody>
+      </p:sp>
+      <p:sp>
+        <p:nvSpPr>
+          <p:cNvPr id="9" name="Rectángulo 8">
+            <a:extLst>
+              <a:ext uri="{FF2B5EF4-FFF2-40B4-BE49-F238E27FC236}">
+                <a16:creationId xmlns:a16="http://schemas.microsoft.com/office/drawing/2014/main" id="{C97A0DE7-DEDE-4216-AC89-603BC7D235B4}"/>
+              </a:ext>
+            </a:extLst>
+          </p:cNvPr>
+          <p:cNvSpPr/>
+          <p:nvPr/>
+        </p:nvSpPr>
+        <p:spPr>
+          <a:xfrm>
+            <a:off x="4424149" y="3101453"/>
+            <a:ext cx="6864824" cy="655093"/>
+          </a:xfrm>
+          <a:prstGeom prst="rect">
+            <a:avLst/>
+          </a:prstGeom>
+        </p:spPr>
+        <p:style>
+          <a:lnRef idx="2">
+            <a:schemeClr val="accent1">
+              <a:shade val="50000"/>
+            </a:schemeClr>
+          </a:lnRef>
+          <a:fillRef idx="1">
+            <a:schemeClr val="accent1"/>
+          </a:fillRef>
+          <a:effectRef idx="0">
+            <a:schemeClr val="accent1"/>
+          </a:effectRef>
+          <a:fontRef idx="minor">
+            <a:schemeClr val="lt1"/>
+          </a:fontRef>
+        </p:style>
+        <p:txBody>
+          <a:bodyPr rtlCol="0" anchor="ctr"/>
+          <a:lstStyle/>
+          <a:p>
+            <a:pPr algn="ctr"/>
+            <a:endParaRPr lang="es-ES"/>
+          </a:p>
+        </p:txBody>
+      </p:sp>
+      <p:sp>
+        <p:nvSpPr>
+          <p:cNvPr id="10" name="Rectángulo: esquinas redondeadas 9">
+            <a:extLst>
+              <a:ext uri="{FF2B5EF4-FFF2-40B4-BE49-F238E27FC236}">
+                <a16:creationId xmlns:a16="http://schemas.microsoft.com/office/drawing/2014/main" id="{069FA52C-3783-4390-B74F-1BDA52DCF5BF}"/>
+              </a:ext>
+            </a:extLst>
+          </p:cNvPr>
+          <p:cNvSpPr/>
+          <p:nvPr/>
+        </p:nvSpPr>
+        <p:spPr>
+          <a:xfrm>
+            <a:off x="725606" y="1233983"/>
+            <a:ext cx="3941928" cy="450376"/>
+          </a:xfrm>
+          <a:prstGeom prst="roundRect">
+            <a:avLst/>
+          </a:prstGeom>
+        </p:spPr>
+        <p:style>
+          <a:lnRef idx="2">
+            <a:schemeClr val="accent1">
+              <a:shade val="50000"/>
+            </a:schemeClr>
+          </a:lnRef>
+          <a:fillRef idx="1">
+            <a:schemeClr val="accent1"/>
+          </a:fillRef>
+          <a:effectRef idx="0">
+            <a:schemeClr val="accent1"/>
+          </a:effectRef>
+          <a:fontRef idx="minor">
+            <a:schemeClr val="lt1"/>
+          </a:fontRef>
+        </p:style>
+        <p:txBody>
+          <a:bodyPr rtlCol="0" anchor="ctr"/>
+          <a:lstStyle/>
+          <a:p>
+            <a:pPr algn="ctr"/>
+            <a:r>
+              <a:rPr lang="es-ES" dirty="0"/>
+              <a:t>Por que es necesario estos datos ??</a:t>
+            </a:r>
+          </a:p>
+        </p:txBody>
+      </p:sp>
+      <p:sp>
+        <p:nvSpPr>
+          <p:cNvPr id="11" name="Rectángulo 10">
+            <a:extLst>
+              <a:ext uri="{FF2B5EF4-FFF2-40B4-BE49-F238E27FC236}">
+                <a16:creationId xmlns:a16="http://schemas.microsoft.com/office/drawing/2014/main" id="{D30B59C4-3F73-48E3-9C21-02011EA33A44}"/>
+              </a:ext>
+            </a:extLst>
+          </p:cNvPr>
+          <p:cNvSpPr/>
+          <p:nvPr/>
+        </p:nvSpPr>
+        <p:spPr>
+          <a:xfrm>
+            <a:off x="272955" y="4968924"/>
+            <a:ext cx="11682482" cy="655093"/>
+          </a:xfrm>
+          <a:prstGeom prst="rect">
+            <a:avLst/>
+          </a:prstGeom>
+        </p:spPr>
+        <p:style>
+          <a:lnRef idx="2">
+            <a:schemeClr val="accent1">
+              <a:shade val="50000"/>
+            </a:schemeClr>
+          </a:lnRef>
+          <a:fillRef idx="1">
+            <a:schemeClr val="accent1"/>
+          </a:fillRef>
+          <a:effectRef idx="0">
+            <a:schemeClr val="accent1"/>
+          </a:effectRef>
+          <a:fontRef idx="minor">
+            <a:schemeClr val="lt1"/>
+          </a:fontRef>
+        </p:style>
+        <p:txBody>
+          <a:bodyPr rtlCol="0" anchor="ctr"/>
+          <a:lstStyle/>
+          <a:p>
+            <a:pPr algn="ctr"/>
+            <a:endParaRPr lang="es-ES"/>
+          </a:p>
+        </p:txBody>
+      </p:sp>
+      <p:sp>
+        <p:nvSpPr>
+          <p:cNvPr id="12" name="Rectángulo 11">
+            <a:extLst>
+              <a:ext uri="{FF2B5EF4-FFF2-40B4-BE49-F238E27FC236}">
+                <a16:creationId xmlns:a16="http://schemas.microsoft.com/office/drawing/2014/main" id="{EADA7ACE-A8B4-4ACC-9F19-D8F5BB6FAA23}"/>
+              </a:ext>
+            </a:extLst>
+          </p:cNvPr>
+          <p:cNvSpPr/>
+          <p:nvPr/>
+        </p:nvSpPr>
+        <p:spPr>
+          <a:xfrm>
+            <a:off x="272955" y="5902655"/>
+            <a:ext cx="11682482" cy="655093"/>
+          </a:xfrm>
+          <a:prstGeom prst="rect">
+            <a:avLst/>
+          </a:prstGeom>
+        </p:spPr>
+        <p:style>
+          <a:lnRef idx="2">
+            <a:schemeClr val="accent1">
+              <a:shade val="50000"/>
+            </a:schemeClr>
+          </a:lnRef>
+          <a:fillRef idx="1">
+            <a:schemeClr val="accent1"/>
+          </a:fillRef>
+          <a:effectRef idx="0">
+            <a:schemeClr val="accent1"/>
+          </a:effectRef>
+          <a:fontRef idx="minor">
+            <a:schemeClr val="lt1"/>
+          </a:fontRef>
+        </p:style>
+        <p:txBody>
+          <a:bodyPr rtlCol="0" anchor="ctr"/>
+          <a:lstStyle/>
+          <a:p>
+            <a:pPr algn="ctr"/>
+            <a:endParaRPr lang="es-ES"/>
+          </a:p>
+        </p:txBody>
+      </p:sp>
+    </p:spTree>
+    <p:extLst>
+      <p:ext uri="{BB962C8B-B14F-4D97-AF65-F5344CB8AC3E}">
+        <p14:creationId xmlns:p14="http://schemas.microsoft.com/office/powerpoint/2010/main" val="3008263132"/>
+      </p:ext>
+    </p:extLst>
+  </p:cSld>
+  <p:clrMapOvr>
+    <a:masterClrMapping/>
+  </p:clrMapOvr>
+</p:sld>
+</file>
+
 <file path=ppt/theme/theme1.xml><?xml version="1.0" encoding="utf-8"?>
 <a:theme xmlns:a="http://schemas.openxmlformats.org/drawingml/2006/main" name="Tema de Office">
   <a:themeElements>
     <a:clrScheme name="Office">
       <a:dk1>
-        <a:sysClr val="windowText" lastClr="000000"/>
+        <a:sysClr val="windowText" lastClr="B4B4B4"/>
       </a:dk1>
       <a:lt1>
-        <a:sysClr val="window" lastClr="FFFFFF"/>
+        <a:sysClr val="window" lastClr="212121"/>
       </a:lt1>
       <a:dk2>
         <a:srgbClr val="44546A"/>

--- a/util/SHOP.pptx
+++ b/util/SHOP.pptx
@@ -13,6 +13,7 @@
     <p:sldId id="261" r:id="rId7"/>
     <p:sldId id="262" r:id="rId8"/>
     <p:sldId id="263" r:id="rId9"/>
+    <p:sldId id="264" r:id="rId10"/>
   </p:sldIdLst>
   <p:sldSz cx="12192000" cy="6858000"/>
   <p:notesSz cx="6858000" cy="9144000"/>
@@ -130,6 +131,11 @@
             <p14:sldId id="263"/>
           </p14:sldIdLst>
         </p14:section>
+        <p14:section name="DESTACADOS" id="{89E6B421-5A8D-4A0D-BE0A-CA2CF9043926}">
+          <p14:sldIdLst>
+            <p14:sldId id="264"/>
+          </p14:sldIdLst>
+        </p14:section>
       </p14:sectionLst>
     </p:ext>
     <p:ext uri="{EFAFB233-063F-42B5-8137-9DF3F51BA10A}">
@@ -288,7 +294,7 @@
           <a:p>
             <a:fld id="{5B47AB05-5A09-40EE-B9EE-38183E5BCE00}" type="datetimeFigureOut">
               <a:rPr lang="es-419" smtClean="0"/>
-              <a:t>13/1/2022</a:t>
+              <a:t>19/1/2022</a:t>
             </a:fld>
             <a:endParaRPr lang="es-419"/>
           </a:p>
@@ -488,7 +494,7 @@
           <a:p>
             <a:fld id="{5B47AB05-5A09-40EE-B9EE-38183E5BCE00}" type="datetimeFigureOut">
               <a:rPr lang="es-419" smtClean="0"/>
-              <a:t>13/1/2022</a:t>
+              <a:t>19/1/2022</a:t>
             </a:fld>
             <a:endParaRPr lang="es-419"/>
           </a:p>
@@ -698,7 +704,7 @@
           <a:p>
             <a:fld id="{5B47AB05-5A09-40EE-B9EE-38183E5BCE00}" type="datetimeFigureOut">
               <a:rPr lang="es-419" smtClean="0"/>
-              <a:t>13/1/2022</a:t>
+              <a:t>19/1/2022</a:t>
             </a:fld>
             <a:endParaRPr lang="es-419"/>
           </a:p>
@@ -898,7 +904,7 @@
           <a:p>
             <a:fld id="{5B47AB05-5A09-40EE-B9EE-38183E5BCE00}" type="datetimeFigureOut">
               <a:rPr lang="es-419" smtClean="0"/>
-              <a:t>13/1/2022</a:t>
+              <a:t>19/1/2022</a:t>
             </a:fld>
             <a:endParaRPr lang="es-419"/>
           </a:p>
@@ -1174,7 +1180,7 @@
           <a:p>
             <a:fld id="{5B47AB05-5A09-40EE-B9EE-38183E5BCE00}" type="datetimeFigureOut">
               <a:rPr lang="es-419" smtClean="0"/>
-              <a:t>13/1/2022</a:t>
+              <a:t>19/1/2022</a:t>
             </a:fld>
             <a:endParaRPr lang="es-419"/>
           </a:p>
@@ -1442,7 +1448,7 @@
           <a:p>
             <a:fld id="{5B47AB05-5A09-40EE-B9EE-38183E5BCE00}" type="datetimeFigureOut">
               <a:rPr lang="es-419" smtClean="0"/>
-              <a:t>13/1/2022</a:t>
+              <a:t>19/1/2022</a:t>
             </a:fld>
             <a:endParaRPr lang="es-419"/>
           </a:p>
@@ -1857,7 +1863,7 @@
           <a:p>
             <a:fld id="{5B47AB05-5A09-40EE-B9EE-38183E5BCE00}" type="datetimeFigureOut">
               <a:rPr lang="es-419" smtClean="0"/>
-              <a:t>13/1/2022</a:t>
+              <a:t>19/1/2022</a:t>
             </a:fld>
             <a:endParaRPr lang="es-419"/>
           </a:p>
@@ -1999,7 +2005,7 @@
           <a:p>
             <a:fld id="{5B47AB05-5A09-40EE-B9EE-38183E5BCE00}" type="datetimeFigureOut">
               <a:rPr lang="es-419" smtClean="0"/>
-              <a:t>13/1/2022</a:t>
+              <a:t>19/1/2022</a:t>
             </a:fld>
             <a:endParaRPr lang="es-419"/>
           </a:p>
@@ -2112,7 +2118,7 @@
           <a:p>
             <a:fld id="{5B47AB05-5A09-40EE-B9EE-38183E5BCE00}" type="datetimeFigureOut">
               <a:rPr lang="es-419" smtClean="0"/>
-              <a:t>13/1/2022</a:t>
+              <a:t>19/1/2022</a:t>
             </a:fld>
             <a:endParaRPr lang="es-419"/>
           </a:p>
@@ -2425,7 +2431,7 @@
           <a:p>
             <a:fld id="{5B47AB05-5A09-40EE-B9EE-38183E5BCE00}" type="datetimeFigureOut">
               <a:rPr lang="es-419" smtClean="0"/>
-              <a:t>13/1/2022</a:t>
+              <a:t>19/1/2022</a:t>
             </a:fld>
             <a:endParaRPr lang="es-419"/>
           </a:p>
@@ -2714,7 +2720,7 @@
           <a:p>
             <a:fld id="{5B47AB05-5A09-40EE-B9EE-38183E5BCE00}" type="datetimeFigureOut">
               <a:rPr lang="es-419" smtClean="0"/>
-              <a:t>13/1/2022</a:t>
+              <a:t>19/1/2022</a:t>
             </a:fld>
             <a:endParaRPr lang="es-419"/>
           </a:p>
@@ -2957,7 +2963,7 @@
           <a:p>
             <a:fld id="{5B47AB05-5A09-40EE-B9EE-38183E5BCE00}" type="datetimeFigureOut">
               <a:rPr lang="es-419" smtClean="0"/>
-              <a:t>13/1/2022</a:t>
+              <a:t>19/1/2022</a:t>
             </a:fld>
             <a:endParaRPr lang="es-419"/>
           </a:p>
@@ -6676,6 +6682,66 @@
 </p:sld>
 </file>
 
+<file path=ppt/slides/slide9.xml><?xml version="1.0" encoding="utf-8"?>
+<p:sld xmlns:a="http://schemas.openxmlformats.org/drawingml/2006/main" xmlns:r="http://schemas.openxmlformats.org/officeDocument/2006/relationships" xmlns:p="http://schemas.openxmlformats.org/presentationml/2006/main">
+  <p:cSld>
+    <p:spTree>
+      <p:nvGrpSpPr>
+        <p:cNvPr id="1" name=""/>
+        <p:cNvGrpSpPr/>
+        <p:nvPr/>
+      </p:nvGrpSpPr>
+      <p:grpSpPr>
+        <a:xfrm>
+          <a:off x="0" y="0"/>
+          <a:ext cx="0" cy="0"/>
+          <a:chOff x="0" y="0"/>
+          <a:chExt cx="0" cy="0"/>
+        </a:xfrm>
+      </p:grpSpPr>
+      <p:pic>
+        <p:nvPicPr>
+          <p:cNvPr id="5" name="Imagen 4">
+            <a:extLst>
+              <a:ext uri="{FF2B5EF4-FFF2-40B4-BE49-F238E27FC236}">
+                <a16:creationId xmlns:a16="http://schemas.microsoft.com/office/drawing/2014/main" id="{29DE660A-EC6A-43B5-9DB9-32663A64C4BC}"/>
+              </a:ext>
+            </a:extLst>
+          </p:cNvPr>
+          <p:cNvPicPr>
+            <a:picLocks noChangeAspect="1"/>
+          </p:cNvPicPr>
+          <p:nvPr/>
+        </p:nvPicPr>
+        <p:blipFill>
+          <a:blip r:embed="rId2"/>
+          <a:stretch>
+            <a:fillRect/>
+          </a:stretch>
+        </p:blipFill>
+        <p:spPr>
+          <a:xfrm>
+            <a:off x="4492942" y="0"/>
+            <a:ext cx="3206115" cy="6858000"/>
+          </a:xfrm>
+          <a:prstGeom prst="rect">
+            <a:avLst/>
+          </a:prstGeom>
+        </p:spPr>
+      </p:pic>
+    </p:spTree>
+    <p:extLst>
+      <p:ext uri="{BB962C8B-B14F-4D97-AF65-F5344CB8AC3E}">
+        <p14:creationId xmlns:p14="http://schemas.microsoft.com/office/powerpoint/2010/main" val="3058494125"/>
+      </p:ext>
+    </p:extLst>
+  </p:cSld>
+  <p:clrMapOvr>
+    <a:masterClrMapping/>
+  </p:clrMapOvr>
+</p:sld>
+</file>
+
 <file path=ppt/theme/theme1.xml><?xml version="1.0" encoding="utf-8"?>
 <a:theme xmlns:a="http://schemas.openxmlformats.org/drawingml/2006/main" name="Tema de Office">
   <a:themeElements>
